--- a/ppt/loopback+arp.pptx
+++ b/ppt/loopback+arp.pptx
@@ -1,10 +1,11 @@
 
 <file path=ppt/presentation.xml><?xml version="1.0" encoding="utf-8"?>
-<p:presentation xmlns:a="http://schemas.openxmlformats.org/drawingml/2006/main" xmlns:p="http://schemas.openxmlformats.org/presentationml/2006/main" xmlns:r="http://schemas.openxmlformats.org/officeDocument/2006/relationships" xmlns:p14="http://schemas.microsoft.com/office/powerpoint/2010/main" xmlns:p15="http://schemas.microsoft.com/office/powerpoint/2012/main" xmlns:mc="http://schemas.openxmlformats.org/markup-compatibility/2006">
+<p:presentation xmlns:a="http://schemas.openxmlformats.org/drawingml/2006/main" xmlns:r="http://schemas.openxmlformats.org/officeDocument/2006/relationships" xmlns:p="http://schemas.openxmlformats.org/presentationml/2006/main">
   <p:sldMasterIdLst>
-    <p:sldMasterId id="2147483648" r:id="rId2"/>
+    <p:sldMasterId id="2147483648" r:id="rId1"/>
   </p:sldMasterIdLst>
   <p:sldIdLst>
+    <p:sldId id="264" r:id="rId2"/>
     <p:sldId id="256" r:id="rId3"/>
     <p:sldId id="257" r:id="rId4"/>
     <p:sldId id="258" r:id="rId5"/>
@@ -14,12 +15,107 @@
     <p:sldId id="262" r:id="rId9"/>
   </p:sldIdLst>
   <p:sldSz cx="12192000" cy="6858000"/>
-  <p:notesSz cx="7559675" cy="10691812"/>
+  <p:notesSz cx="7559675" cy="10691813"/>
+  <p:defaultTextStyle>
+    <a:defPPr>
+      <a:defRPr lang="zh-CN"/>
+    </a:defPPr>
+    <a:lvl1pPr marL="0" algn="l" defTabSz="914400" rtl="0" eaLnBrk="1" latinLnBrk="0" hangingPunct="1">
+      <a:defRPr sz="1800" kern="1200">
+        <a:solidFill>
+          <a:schemeClr val="tx1"/>
+        </a:solidFill>
+        <a:latin typeface="+mn-lt"/>
+        <a:ea typeface="+mn-ea"/>
+        <a:cs typeface="+mn-cs"/>
+      </a:defRPr>
+    </a:lvl1pPr>
+    <a:lvl2pPr marL="457200" algn="l" defTabSz="914400" rtl="0" eaLnBrk="1" latinLnBrk="0" hangingPunct="1">
+      <a:defRPr sz="1800" kern="1200">
+        <a:solidFill>
+          <a:schemeClr val="tx1"/>
+        </a:solidFill>
+        <a:latin typeface="+mn-lt"/>
+        <a:ea typeface="+mn-ea"/>
+        <a:cs typeface="+mn-cs"/>
+      </a:defRPr>
+    </a:lvl2pPr>
+    <a:lvl3pPr marL="914400" algn="l" defTabSz="914400" rtl="0" eaLnBrk="1" latinLnBrk="0" hangingPunct="1">
+      <a:defRPr sz="1800" kern="1200">
+        <a:solidFill>
+          <a:schemeClr val="tx1"/>
+        </a:solidFill>
+        <a:latin typeface="+mn-lt"/>
+        <a:ea typeface="+mn-ea"/>
+        <a:cs typeface="+mn-cs"/>
+      </a:defRPr>
+    </a:lvl3pPr>
+    <a:lvl4pPr marL="1371600" algn="l" defTabSz="914400" rtl="0" eaLnBrk="1" latinLnBrk="0" hangingPunct="1">
+      <a:defRPr sz="1800" kern="1200">
+        <a:solidFill>
+          <a:schemeClr val="tx1"/>
+        </a:solidFill>
+        <a:latin typeface="+mn-lt"/>
+        <a:ea typeface="+mn-ea"/>
+        <a:cs typeface="+mn-cs"/>
+      </a:defRPr>
+    </a:lvl4pPr>
+    <a:lvl5pPr marL="1828800" algn="l" defTabSz="914400" rtl="0" eaLnBrk="1" latinLnBrk="0" hangingPunct="1">
+      <a:defRPr sz="1800" kern="1200">
+        <a:solidFill>
+          <a:schemeClr val="tx1"/>
+        </a:solidFill>
+        <a:latin typeface="+mn-lt"/>
+        <a:ea typeface="+mn-ea"/>
+        <a:cs typeface="+mn-cs"/>
+      </a:defRPr>
+    </a:lvl5pPr>
+    <a:lvl6pPr marL="2286000" algn="l" defTabSz="914400" rtl="0" eaLnBrk="1" latinLnBrk="0" hangingPunct="1">
+      <a:defRPr sz="1800" kern="1200">
+        <a:solidFill>
+          <a:schemeClr val="tx1"/>
+        </a:solidFill>
+        <a:latin typeface="+mn-lt"/>
+        <a:ea typeface="+mn-ea"/>
+        <a:cs typeface="+mn-cs"/>
+      </a:defRPr>
+    </a:lvl6pPr>
+    <a:lvl7pPr marL="2743200" algn="l" defTabSz="914400" rtl="0" eaLnBrk="1" latinLnBrk="0" hangingPunct="1">
+      <a:defRPr sz="1800" kern="1200">
+        <a:solidFill>
+          <a:schemeClr val="tx1"/>
+        </a:solidFill>
+        <a:latin typeface="+mn-lt"/>
+        <a:ea typeface="+mn-ea"/>
+        <a:cs typeface="+mn-cs"/>
+      </a:defRPr>
+    </a:lvl7pPr>
+    <a:lvl8pPr marL="3200400" algn="l" defTabSz="914400" rtl="0" eaLnBrk="1" latinLnBrk="0" hangingPunct="1">
+      <a:defRPr sz="1800" kern="1200">
+        <a:solidFill>
+          <a:schemeClr val="tx1"/>
+        </a:solidFill>
+        <a:latin typeface="+mn-lt"/>
+        <a:ea typeface="+mn-ea"/>
+        <a:cs typeface="+mn-cs"/>
+      </a:defRPr>
+    </a:lvl8pPr>
+    <a:lvl9pPr marL="3657600" algn="l" defTabSz="914400" rtl="0" eaLnBrk="1" latinLnBrk="0" hangingPunct="1">
+      <a:defRPr sz="1800" kern="1200">
+        <a:solidFill>
+          <a:schemeClr val="tx1"/>
+        </a:solidFill>
+        <a:latin typeface="+mn-lt"/>
+        <a:ea typeface="+mn-ea"/>
+        <a:cs typeface="+mn-cs"/>
+      </a:defRPr>
+    </a:lvl9pPr>
+  </p:defaultTextStyle>
 </p:presentation>
 </file>
 
 <file path=ppt/slideLayouts/slideLayout1.xml><?xml version="1.0" encoding="utf-8"?>
-<p:sldLayout xmlns:a="http://schemas.openxmlformats.org/drawingml/2006/main" xmlns:p="http://schemas.openxmlformats.org/presentationml/2006/main" xmlns:r="http://schemas.openxmlformats.org/officeDocument/2006/relationships" xmlns:p14="http://schemas.microsoft.com/office/powerpoint/2010/main" xmlns:p15="http://schemas.microsoft.com/office/powerpoint/2012/main" xmlns:mc="http://schemas.openxmlformats.org/markup-compatibility/2006" type="blank" preserve="1">
+<p:sldLayout xmlns:a="http://schemas.openxmlformats.org/drawingml/2006/main" xmlns:r="http://schemas.openxmlformats.org/officeDocument/2006/relationships" xmlns:p="http://schemas.openxmlformats.org/presentationml/2006/main" type="blank" preserve="1">
   <p:cSld name="Blank Slide">
     <p:spTree>
       <p:nvGrpSpPr>
@@ -37,11 +133,14 @@
       </p:grpSpPr>
     </p:spTree>
   </p:cSld>
+  <p:clrMapOvr>
+    <a:masterClrMapping/>
+  </p:clrMapOvr>
 </p:sldLayout>
 </file>
 
 <file path=ppt/slideLayouts/slideLayout10.xml><?xml version="1.0" encoding="utf-8"?>
-<p:sldLayout xmlns:a="http://schemas.openxmlformats.org/drawingml/2006/main" xmlns:p="http://schemas.openxmlformats.org/presentationml/2006/main" xmlns:r="http://schemas.openxmlformats.org/officeDocument/2006/relationships" xmlns:p14="http://schemas.microsoft.com/office/powerpoint/2010/main" xmlns:p15="http://schemas.microsoft.com/office/powerpoint/2012/main" xmlns:mc="http://schemas.openxmlformats.org/markup-compatibility/2006" type="objOverTx" preserve="1">
+<p:sldLayout xmlns:a="http://schemas.openxmlformats.org/drawingml/2006/main" xmlns:r="http://schemas.openxmlformats.org/officeDocument/2006/relationships" xmlns:p="http://schemas.openxmlformats.org/presentationml/2006/main" type="objOverTx" preserve="1">
   <p:cSld name="Title, Content over Content">
     <p:spTree>
       <p:nvGrpSpPr>
@@ -77,11 +176,12 @@
           </a:prstGeom>
         </p:spPr>
         <p:txBody>
-          <a:bodyPr lIns="0" rIns="0" tIns="0" bIns="0" anchor="ctr">
+          <a:bodyPr lIns="0" tIns="0" rIns="0" bIns="0" anchor="ctr">
             <a:noAutofit/>
           </a:bodyPr>
-          <a:p>
-            <a:endParaRPr b="0" lang="en-US" sz="1800" spc="-1" strike="noStrike">
+          <a:lstStyle/>
+          <a:p>
+            <a:endParaRPr lang="en-US" sz="1800" b="0" strike="noStrike" spc="-1">
               <a:solidFill>
                 <a:srgbClr val="000000"/>
               </a:solidFill>
@@ -110,11 +210,12 @@
           </a:prstGeom>
         </p:spPr>
         <p:txBody>
-          <a:bodyPr lIns="0" rIns="0" tIns="0" bIns="0">
+          <a:bodyPr lIns="0" tIns="0" rIns="0" bIns="0">
             <a:normAutofit/>
           </a:bodyPr>
-          <a:p>
-            <a:endParaRPr b="0" lang="en-US" sz="2800" spc="-1" strike="noStrike">
+          <a:lstStyle/>
+          <a:p>
+            <a:endParaRPr lang="en-US" sz="2800" b="0" strike="noStrike" spc="-1">
               <a:solidFill>
                 <a:srgbClr val="000000"/>
               </a:solidFill>
@@ -143,11 +244,12 @@
           </a:prstGeom>
         </p:spPr>
         <p:txBody>
-          <a:bodyPr lIns="0" rIns="0" tIns="0" bIns="0">
+          <a:bodyPr lIns="0" tIns="0" rIns="0" bIns="0">
             <a:normAutofit/>
           </a:bodyPr>
-          <a:p>
-            <a:endParaRPr b="0" lang="en-US" sz="2800" spc="-1" strike="noStrike">
+          <a:lstStyle/>
+          <a:p>
+            <a:endParaRPr lang="en-US" sz="2800" b="0" strike="noStrike" spc="-1">
               <a:solidFill>
                 <a:srgbClr val="000000"/>
               </a:solidFill>
@@ -158,11 +260,14 @@
       </p:sp>
     </p:spTree>
   </p:cSld>
+  <p:clrMapOvr>
+    <a:masterClrMapping/>
+  </p:clrMapOvr>
 </p:sldLayout>
 </file>
 
 <file path=ppt/slideLayouts/slideLayout11.xml><?xml version="1.0" encoding="utf-8"?>
-<p:sldLayout xmlns:a="http://schemas.openxmlformats.org/drawingml/2006/main" xmlns:p="http://schemas.openxmlformats.org/presentationml/2006/main" xmlns:r="http://schemas.openxmlformats.org/officeDocument/2006/relationships" xmlns:p14="http://schemas.microsoft.com/office/powerpoint/2010/main" xmlns:p15="http://schemas.microsoft.com/office/powerpoint/2012/main" xmlns:mc="http://schemas.openxmlformats.org/markup-compatibility/2006" type="fourObj" preserve="1">
+<p:sldLayout xmlns:a="http://schemas.openxmlformats.org/drawingml/2006/main" xmlns:r="http://schemas.openxmlformats.org/officeDocument/2006/relationships" xmlns:p="http://schemas.openxmlformats.org/presentationml/2006/main" type="fourObj" preserve="1">
   <p:cSld name="Title, 4 Content">
     <p:spTree>
       <p:nvGrpSpPr>
@@ -198,11 +303,12 @@
           </a:prstGeom>
         </p:spPr>
         <p:txBody>
-          <a:bodyPr lIns="0" rIns="0" tIns="0" bIns="0" anchor="ctr">
+          <a:bodyPr lIns="0" tIns="0" rIns="0" bIns="0" anchor="ctr">
             <a:noAutofit/>
           </a:bodyPr>
-          <a:p>
-            <a:endParaRPr b="0" lang="en-US" sz="1800" spc="-1" strike="noStrike">
+          <a:lstStyle/>
+          <a:p>
+            <a:endParaRPr lang="en-US" sz="1800" b="0" strike="noStrike" spc="-1">
               <a:solidFill>
                 <a:srgbClr val="000000"/>
               </a:solidFill>
@@ -231,11 +337,12 @@
           </a:prstGeom>
         </p:spPr>
         <p:txBody>
-          <a:bodyPr lIns="0" rIns="0" tIns="0" bIns="0">
+          <a:bodyPr lIns="0" tIns="0" rIns="0" bIns="0">
             <a:normAutofit/>
           </a:bodyPr>
-          <a:p>
-            <a:endParaRPr b="0" lang="en-US" sz="2800" spc="-1" strike="noStrike">
+          <a:lstStyle/>
+          <a:p>
+            <a:endParaRPr lang="en-US" sz="2800" b="0" strike="noStrike" spc="-1">
               <a:solidFill>
                 <a:srgbClr val="000000"/>
               </a:solidFill>
@@ -264,11 +371,12 @@
           </a:prstGeom>
         </p:spPr>
         <p:txBody>
-          <a:bodyPr lIns="0" rIns="0" tIns="0" bIns="0">
+          <a:bodyPr lIns="0" tIns="0" rIns="0" bIns="0">
             <a:normAutofit/>
           </a:bodyPr>
-          <a:p>
-            <a:endParaRPr b="0" lang="en-US" sz="2800" spc="-1" strike="noStrike">
+          <a:lstStyle/>
+          <a:p>
+            <a:endParaRPr lang="en-US" sz="2800" b="0" strike="noStrike" spc="-1">
               <a:solidFill>
                 <a:srgbClr val="000000"/>
               </a:solidFill>
@@ -297,11 +405,12 @@
           </a:prstGeom>
         </p:spPr>
         <p:txBody>
-          <a:bodyPr lIns="0" rIns="0" tIns="0" bIns="0">
+          <a:bodyPr lIns="0" tIns="0" rIns="0" bIns="0">
             <a:normAutofit/>
           </a:bodyPr>
-          <a:p>
-            <a:endParaRPr b="0" lang="en-US" sz="2800" spc="-1" strike="noStrike">
+          <a:lstStyle/>
+          <a:p>
+            <a:endParaRPr lang="en-US" sz="2800" b="0" strike="noStrike" spc="-1">
               <a:solidFill>
                 <a:srgbClr val="000000"/>
               </a:solidFill>
@@ -330,11 +439,12 @@
           </a:prstGeom>
         </p:spPr>
         <p:txBody>
-          <a:bodyPr lIns="0" rIns="0" tIns="0" bIns="0">
+          <a:bodyPr lIns="0" tIns="0" rIns="0" bIns="0">
             <a:normAutofit/>
           </a:bodyPr>
-          <a:p>
-            <a:endParaRPr b="0" lang="en-US" sz="2800" spc="-1" strike="noStrike">
+          <a:lstStyle/>
+          <a:p>
+            <a:endParaRPr lang="en-US" sz="2800" b="0" strike="noStrike" spc="-1">
               <a:solidFill>
                 <a:srgbClr val="000000"/>
               </a:solidFill>
@@ -345,11 +455,14 @@
       </p:sp>
     </p:spTree>
   </p:cSld>
+  <p:clrMapOvr>
+    <a:masterClrMapping/>
+  </p:clrMapOvr>
 </p:sldLayout>
 </file>
 
 <file path=ppt/slideLayouts/slideLayout12.xml><?xml version="1.0" encoding="utf-8"?>
-<p:sldLayout xmlns:a="http://schemas.openxmlformats.org/drawingml/2006/main" xmlns:p="http://schemas.openxmlformats.org/presentationml/2006/main" xmlns:r="http://schemas.openxmlformats.org/officeDocument/2006/relationships" xmlns:p14="http://schemas.microsoft.com/office/powerpoint/2010/main" xmlns:p15="http://schemas.microsoft.com/office/powerpoint/2012/main" xmlns:mc="http://schemas.openxmlformats.org/markup-compatibility/2006" type="blank" preserve="1">
+<p:sldLayout xmlns:a="http://schemas.openxmlformats.org/drawingml/2006/main" xmlns:r="http://schemas.openxmlformats.org/officeDocument/2006/relationships" xmlns:p="http://schemas.openxmlformats.org/presentationml/2006/main" type="blank" preserve="1">
   <p:cSld name="Title, 6 Content">
     <p:spTree>
       <p:nvGrpSpPr>
@@ -385,11 +498,12 @@
           </a:prstGeom>
         </p:spPr>
         <p:txBody>
-          <a:bodyPr lIns="0" rIns="0" tIns="0" bIns="0" anchor="ctr">
+          <a:bodyPr lIns="0" tIns="0" rIns="0" bIns="0" anchor="ctr">
             <a:noAutofit/>
           </a:bodyPr>
-          <a:p>
-            <a:endParaRPr b="0" lang="en-US" sz="1800" spc="-1" strike="noStrike">
+          <a:lstStyle/>
+          <a:p>
+            <a:endParaRPr lang="en-US" sz="1800" b="0" strike="noStrike" spc="-1">
               <a:solidFill>
                 <a:srgbClr val="000000"/>
               </a:solidFill>
@@ -418,11 +532,12 @@
           </a:prstGeom>
         </p:spPr>
         <p:txBody>
-          <a:bodyPr lIns="0" rIns="0" tIns="0" bIns="0">
+          <a:bodyPr lIns="0" tIns="0" rIns="0" bIns="0">
             <a:normAutofit/>
           </a:bodyPr>
-          <a:p>
-            <a:endParaRPr b="0" lang="en-US" sz="2800" spc="-1" strike="noStrike">
+          <a:lstStyle/>
+          <a:p>
+            <a:endParaRPr lang="en-US" sz="2800" b="0" strike="noStrike" spc="-1">
               <a:solidFill>
                 <a:srgbClr val="000000"/>
               </a:solidFill>
@@ -451,11 +566,12 @@
           </a:prstGeom>
         </p:spPr>
         <p:txBody>
-          <a:bodyPr lIns="0" rIns="0" tIns="0" bIns="0">
+          <a:bodyPr lIns="0" tIns="0" rIns="0" bIns="0">
             <a:normAutofit/>
           </a:bodyPr>
-          <a:p>
-            <a:endParaRPr b="0" lang="en-US" sz="2800" spc="-1" strike="noStrike">
+          <a:lstStyle/>
+          <a:p>
+            <a:endParaRPr lang="en-US" sz="2800" b="0" strike="noStrike" spc="-1">
               <a:solidFill>
                 <a:srgbClr val="000000"/>
               </a:solidFill>
@@ -484,11 +600,12 @@
           </a:prstGeom>
         </p:spPr>
         <p:txBody>
-          <a:bodyPr lIns="0" rIns="0" tIns="0" bIns="0">
+          <a:bodyPr lIns="0" tIns="0" rIns="0" bIns="0">
             <a:normAutofit/>
           </a:bodyPr>
-          <a:p>
-            <a:endParaRPr b="0" lang="en-US" sz="2800" spc="-1" strike="noStrike">
+          <a:lstStyle/>
+          <a:p>
+            <a:endParaRPr lang="en-US" sz="2800" b="0" strike="noStrike" spc="-1">
               <a:solidFill>
                 <a:srgbClr val="000000"/>
               </a:solidFill>
@@ -517,11 +634,12 @@
           </a:prstGeom>
         </p:spPr>
         <p:txBody>
-          <a:bodyPr lIns="0" rIns="0" tIns="0" bIns="0">
+          <a:bodyPr lIns="0" tIns="0" rIns="0" bIns="0">
             <a:normAutofit/>
           </a:bodyPr>
-          <a:p>
-            <a:endParaRPr b="0" lang="en-US" sz="2800" spc="-1" strike="noStrike">
+          <a:lstStyle/>
+          <a:p>
+            <a:endParaRPr lang="en-US" sz="2800" b="0" strike="noStrike" spc="-1">
               <a:solidFill>
                 <a:srgbClr val="000000"/>
               </a:solidFill>
@@ -550,11 +668,12 @@
           </a:prstGeom>
         </p:spPr>
         <p:txBody>
-          <a:bodyPr lIns="0" rIns="0" tIns="0" bIns="0">
+          <a:bodyPr lIns="0" tIns="0" rIns="0" bIns="0">
             <a:normAutofit/>
           </a:bodyPr>
-          <a:p>
-            <a:endParaRPr b="0" lang="en-US" sz="2800" spc="-1" strike="noStrike">
+          <a:lstStyle/>
+          <a:p>
+            <a:endParaRPr lang="en-US" sz="2800" b="0" strike="noStrike" spc="-1">
               <a:solidFill>
                 <a:srgbClr val="000000"/>
               </a:solidFill>
@@ -583,11 +702,12 @@
           </a:prstGeom>
         </p:spPr>
         <p:txBody>
-          <a:bodyPr lIns="0" rIns="0" tIns="0" bIns="0">
+          <a:bodyPr lIns="0" tIns="0" rIns="0" bIns="0">
             <a:normAutofit/>
           </a:bodyPr>
-          <a:p>
-            <a:endParaRPr b="0" lang="en-US" sz="2800" spc="-1" strike="noStrike">
+          <a:lstStyle/>
+          <a:p>
+            <a:endParaRPr lang="en-US" sz="2800" b="0" strike="noStrike" spc="-1">
               <a:solidFill>
                 <a:srgbClr val="000000"/>
               </a:solidFill>
@@ -598,11 +718,206 @@
       </p:sp>
     </p:spTree>
   </p:cSld>
+  <p:clrMapOvr>
+    <a:masterClrMapping/>
+  </p:clrMapOvr>
+</p:sldLayout>
+</file>
+
+<file path=ppt/slideLayouts/slideLayout13.xml><?xml version="1.0" encoding="utf-8"?>
+<p:sldLayout xmlns:a="http://schemas.openxmlformats.org/drawingml/2006/main" xmlns:r="http://schemas.openxmlformats.org/officeDocument/2006/relationships" xmlns:p="http://schemas.openxmlformats.org/presentationml/2006/main" type="title">
+  <p:cSld name="标题幻灯片">
+    <p:spTree>
+      <p:nvGrpSpPr>
+        <p:cNvPr id="1" name=""/>
+        <p:cNvGrpSpPr/>
+        <p:nvPr/>
+      </p:nvGrpSpPr>
+      <p:grpSpPr>
+        <a:xfrm>
+          <a:off x="0" y="0"/>
+          <a:ext cx="0" cy="0"/>
+          <a:chOff x="0" y="0"/>
+          <a:chExt cx="0" cy="0"/>
+        </a:xfrm>
+      </p:grpSpPr>
+      <p:sp>
+        <p:nvSpPr>
+          <p:cNvPr id="2" name="标题 1"/>
+          <p:cNvSpPr>
+            <a:spLocks noGrp="1"/>
+          </p:cNvSpPr>
+          <p:nvPr>
+            <p:ph type="ctrTitle"/>
+          </p:nvPr>
+        </p:nvSpPr>
+        <p:spPr>
+          <a:xfrm>
+            <a:off x="1524000" y="1122363"/>
+            <a:ext cx="9144000" cy="2387600"/>
+          </a:xfrm>
+        </p:spPr>
+        <p:txBody>
+          <a:bodyPr anchor="b"/>
+          <a:lstStyle>
+            <a:lvl1pPr algn="ctr">
+              <a:defRPr sz="6000"/>
+            </a:lvl1pPr>
+          </a:lstStyle>
+          <a:p>
+            <a:r>
+              <a:rPr lang="zh-CN" altLang="en-US" smtClean="0"/>
+              <a:t>单击此处编辑母版标题样式</a:t>
+            </a:r>
+            <a:endParaRPr lang="zh-CN" altLang="en-US"/>
+          </a:p>
+        </p:txBody>
+      </p:sp>
+      <p:sp>
+        <p:nvSpPr>
+          <p:cNvPr id="3" name="副标题 2"/>
+          <p:cNvSpPr>
+            <a:spLocks noGrp="1"/>
+          </p:cNvSpPr>
+          <p:nvPr>
+            <p:ph type="subTitle" idx="1"/>
+          </p:nvPr>
+        </p:nvSpPr>
+        <p:spPr>
+          <a:xfrm>
+            <a:off x="1524000" y="3602038"/>
+            <a:ext cx="9144000" cy="1655762"/>
+          </a:xfrm>
+        </p:spPr>
+        <p:txBody>
+          <a:bodyPr/>
+          <a:lstStyle>
+            <a:lvl1pPr marL="0" indent="0" algn="ctr">
+              <a:buNone/>
+              <a:defRPr sz="2400"/>
+            </a:lvl1pPr>
+            <a:lvl2pPr marL="457200" indent="0" algn="ctr">
+              <a:buNone/>
+              <a:defRPr sz="2000"/>
+            </a:lvl2pPr>
+            <a:lvl3pPr marL="914400" indent="0" algn="ctr">
+              <a:buNone/>
+              <a:defRPr sz="1800"/>
+            </a:lvl3pPr>
+            <a:lvl4pPr marL="1371600" indent="0" algn="ctr">
+              <a:buNone/>
+              <a:defRPr sz="1600"/>
+            </a:lvl4pPr>
+            <a:lvl5pPr marL="1828800" indent="0" algn="ctr">
+              <a:buNone/>
+              <a:defRPr sz="1600"/>
+            </a:lvl5pPr>
+            <a:lvl6pPr marL="2286000" indent="0" algn="ctr">
+              <a:buNone/>
+              <a:defRPr sz="1600"/>
+            </a:lvl6pPr>
+            <a:lvl7pPr marL="2743200" indent="0" algn="ctr">
+              <a:buNone/>
+              <a:defRPr sz="1600"/>
+            </a:lvl7pPr>
+            <a:lvl8pPr marL="3200400" indent="0" algn="ctr">
+              <a:buNone/>
+              <a:defRPr sz="1600"/>
+            </a:lvl8pPr>
+            <a:lvl9pPr marL="3657600" indent="0" algn="ctr">
+              <a:buNone/>
+              <a:defRPr sz="1600"/>
+            </a:lvl9pPr>
+          </a:lstStyle>
+          <a:p>
+            <a:r>
+              <a:rPr lang="zh-CN" altLang="en-US" smtClean="0"/>
+              <a:t>单击以编辑母版副标题样式</a:t>
+            </a:r>
+            <a:endParaRPr lang="zh-CN" altLang="en-US"/>
+          </a:p>
+        </p:txBody>
+      </p:sp>
+      <p:sp>
+        <p:nvSpPr>
+          <p:cNvPr id="4" name="日期占位符 3"/>
+          <p:cNvSpPr>
+            <a:spLocks noGrp="1"/>
+          </p:cNvSpPr>
+          <p:nvPr>
+            <p:ph type="dt" sz="half" idx="10"/>
+          </p:nvPr>
+        </p:nvSpPr>
+        <p:spPr/>
+        <p:txBody>
+          <a:bodyPr/>
+          <a:lstStyle/>
+          <a:p>
+            <a:fld id="{0F44CD1F-ADD4-4DB3-B588-8D01DFA146E2}" type="datetimeFigureOut">
+              <a:rPr lang="zh-CN" altLang="en-US" smtClean="0"/>
+              <a:t>2020/10/7</a:t>
+            </a:fld>
+            <a:endParaRPr lang="zh-CN" altLang="en-US"/>
+          </a:p>
+        </p:txBody>
+      </p:sp>
+      <p:sp>
+        <p:nvSpPr>
+          <p:cNvPr id="5" name="页脚占位符 4"/>
+          <p:cNvSpPr>
+            <a:spLocks noGrp="1"/>
+          </p:cNvSpPr>
+          <p:nvPr>
+            <p:ph type="ftr" sz="quarter" idx="11"/>
+          </p:nvPr>
+        </p:nvSpPr>
+        <p:spPr/>
+        <p:txBody>
+          <a:bodyPr/>
+          <a:lstStyle/>
+          <a:p>
+            <a:endParaRPr lang="zh-CN" altLang="en-US"/>
+          </a:p>
+        </p:txBody>
+      </p:sp>
+      <p:sp>
+        <p:nvSpPr>
+          <p:cNvPr id="6" name="灯片编号占位符 5"/>
+          <p:cNvSpPr>
+            <a:spLocks noGrp="1"/>
+          </p:cNvSpPr>
+          <p:nvPr>
+            <p:ph type="sldNum" sz="quarter" idx="12"/>
+          </p:nvPr>
+        </p:nvSpPr>
+        <p:spPr/>
+        <p:txBody>
+          <a:bodyPr/>
+          <a:lstStyle/>
+          <a:p>
+            <a:fld id="{BAF67247-CD42-4127-9E32-ADBD00B40959}" type="slidenum">
+              <a:rPr lang="zh-CN" altLang="en-US" smtClean="0"/>
+              <a:t>‹#›</a:t>
+            </a:fld>
+            <a:endParaRPr lang="zh-CN" altLang="en-US"/>
+          </a:p>
+        </p:txBody>
+      </p:sp>
+    </p:spTree>
+    <p:extLst>
+      <p:ext uri="{BB962C8B-B14F-4D97-AF65-F5344CB8AC3E}">
+        <p14:creationId xmlns:p14="http://schemas.microsoft.com/office/powerpoint/2010/main" val="2995635785"/>
+      </p:ext>
+    </p:extLst>
+  </p:cSld>
+  <p:clrMapOvr>
+    <a:masterClrMapping/>
+  </p:clrMapOvr>
 </p:sldLayout>
 </file>
 
 <file path=ppt/slideLayouts/slideLayout2.xml><?xml version="1.0" encoding="utf-8"?>
-<p:sldLayout xmlns:a="http://schemas.openxmlformats.org/drawingml/2006/main" xmlns:p="http://schemas.openxmlformats.org/presentationml/2006/main" xmlns:r="http://schemas.openxmlformats.org/officeDocument/2006/relationships" xmlns:p14="http://schemas.microsoft.com/office/powerpoint/2010/main" xmlns:p15="http://schemas.microsoft.com/office/powerpoint/2012/main" xmlns:mc="http://schemas.openxmlformats.org/markup-compatibility/2006" type="tx" preserve="1">
+<p:sldLayout xmlns:a="http://schemas.openxmlformats.org/drawingml/2006/main" xmlns:r="http://schemas.openxmlformats.org/officeDocument/2006/relationships" xmlns:p="http://schemas.openxmlformats.org/presentationml/2006/main" type="tx" preserve="1">
   <p:cSld name="Title Slide">
     <p:spTree>
       <p:nvGrpSpPr>
@@ -638,11 +953,12 @@
           </a:prstGeom>
         </p:spPr>
         <p:txBody>
-          <a:bodyPr lIns="0" rIns="0" tIns="0" bIns="0" anchor="ctr">
+          <a:bodyPr lIns="0" tIns="0" rIns="0" bIns="0" anchor="ctr">
             <a:noAutofit/>
           </a:bodyPr>
-          <a:p>
-            <a:endParaRPr b="0" lang="en-US" sz="1800" spc="-1" strike="noStrike">
+          <a:lstStyle/>
+          <a:p>
+            <a:endParaRPr lang="en-US" sz="1800" b="0" strike="noStrike" spc="-1">
               <a:solidFill>
                 <a:srgbClr val="000000"/>
               </a:solidFill>
@@ -671,12 +987,13 @@
           </a:prstGeom>
         </p:spPr>
         <p:txBody>
-          <a:bodyPr lIns="0" rIns="0" tIns="0" bIns="0" anchor="ctr">
+          <a:bodyPr lIns="0" tIns="0" rIns="0" bIns="0" anchor="ctr">
             <a:noAutofit/>
           </a:bodyPr>
+          <a:lstStyle/>
           <a:p>
             <a:pPr algn="ctr"/>
-            <a:endParaRPr b="0" lang="en-US" sz="3200" spc="-1" strike="noStrike">
+            <a:endParaRPr lang="en-US" sz="3200" b="0" strike="noStrike" spc="-1">
               <a:latin typeface="Arial"/>
             </a:endParaRPr>
           </a:p>
@@ -684,11 +1001,14 @@
       </p:sp>
     </p:spTree>
   </p:cSld>
+  <p:clrMapOvr>
+    <a:masterClrMapping/>
+  </p:clrMapOvr>
 </p:sldLayout>
 </file>
 
 <file path=ppt/slideLayouts/slideLayout3.xml><?xml version="1.0" encoding="utf-8"?>
-<p:sldLayout xmlns:a="http://schemas.openxmlformats.org/drawingml/2006/main" xmlns:p="http://schemas.openxmlformats.org/presentationml/2006/main" xmlns:r="http://schemas.openxmlformats.org/officeDocument/2006/relationships" xmlns:p14="http://schemas.microsoft.com/office/powerpoint/2010/main" xmlns:p15="http://schemas.microsoft.com/office/powerpoint/2012/main" xmlns:mc="http://schemas.openxmlformats.org/markup-compatibility/2006" type="obj" preserve="1">
+<p:sldLayout xmlns:a="http://schemas.openxmlformats.org/drawingml/2006/main" xmlns:r="http://schemas.openxmlformats.org/officeDocument/2006/relationships" xmlns:p="http://schemas.openxmlformats.org/presentationml/2006/main" type="obj" preserve="1">
   <p:cSld name="Title, Content">
     <p:spTree>
       <p:nvGrpSpPr>
@@ -724,11 +1044,12 @@
           </a:prstGeom>
         </p:spPr>
         <p:txBody>
-          <a:bodyPr lIns="0" rIns="0" tIns="0" bIns="0" anchor="ctr">
+          <a:bodyPr lIns="0" tIns="0" rIns="0" bIns="0" anchor="ctr">
             <a:noAutofit/>
           </a:bodyPr>
-          <a:p>
-            <a:endParaRPr b="0" lang="en-US" sz="1800" spc="-1" strike="noStrike">
+          <a:lstStyle/>
+          <a:p>
+            <a:endParaRPr lang="en-US" sz="1800" b="0" strike="noStrike" spc="-1">
               <a:solidFill>
                 <a:srgbClr val="000000"/>
               </a:solidFill>
@@ -757,11 +1078,12 @@
           </a:prstGeom>
         </p:spPr>
         <p:txBody>
-          <a:bodyPr lIns="0" rIns="0" tIns="0" bIns="0">
+          <a:bodyPr lIns="0" tIns="0" rIns="0" bIns="0">
             <a:normAutofit/>
           </a:bodyPr>
-          <a:p>
-            <a:endParaRPr b="0" lang="en-US" sz="2800" spc="-1" strike="noStrike">
+          <a:lstStyle/>
+          <a:p>
+            <a:endParaRPr lang="en-US" sz="2800" b="0" strike="noStrike" spc="-1">
               <a:solidFill>
                 <a:srgbClr val="000000"/>
               </a:solidFill>
@@ -772,11 +1094,14 @@
       </p:sp>
     </p:spTree>
   </p:cSld>
+  <p:clrMapOvr>
+    <a:masterClrMapping/>
+  </p:clrMapOvr>
 </p:sldLayout>
 </file>
 
 <file path=ppt/slideLayouts/slideLayout4.xml><?xml version="1.0" encoding="utf-8"?>
-<p:sldLayout xmlns:a="http://schemas.openxmlformats.org/drawingml/2006/main" xmlns:p="http://schemas.openxmlformats.org/presentationml/2006/main" xmlns:r="http://schemas.openxmlformats.org/officeDocument/2006/relationships" xmlns:p14="http://schemas.microsoft.com/office/powerpoint/2010/main" xmlns:p15="http://schemas.microsoft.com/office/powerpoint/2012/main" xmlns:mc="http://schemas.openxmlformats.org/markup-compatibility/2006" type="twoObj" preserve="1">
+<p:sldLayout xmlns:a="http://schemas.openxmlformats.org/drawingml/2006/main" xmlns:r="http://schemas.openxmlformats.org/officeDocument/2006/relationships" xmlns:p="http://schemas.openxmlformats.org/presentationml/2006/main" type="twoObj" preserve="1">
   <p:cSld name="Title, 2 Content">
     <p:spTree>
       <p:nvGrpSpPr>
@@ -812,11 +1137,12 @@
           </a:prstGeom>
         </p:spPr>
         <p:txBody>
-          <a:bodyPr lIns="0" rIns="0" tIns="0" bIns="0" anchor="ctr">
+          <a:bodyPr lIns="0" tIns="0" rIns="0" bIns="0" anchor="ctr">
             <a:noAutofit/>
           </a:bodyPr>
-          <a:p>
-            <a:endParaRPr b="0" lang="en-US" sz="1800" spc="-1" strike="noStrike">
+          <a:lstStyle/>
+          <a:p>
+            <a:endParaRPr lang="en-US" sz="1800" b="0" strike="noStrike" spc="-1">
               <a:solidFill>
                 <a:srgbClr val="000000"/>
               </a:solidFill>
@@ -845,11 +1171,12 @@
           </a:prstGeom>
         </p:spPr>
         <p:txBody>
-          <a:bodyPr lIns="0" rIns="0" tIns="0" bIns="0">
+          <a:bodyPr lIns="0" tIns="0" rIns="0" bIns="0">
             <a:normAutofit/>
           </a:bodyPr>
-          <a:p>
-            <a:endParaRPr b="0" lang="en-US" sz="2800" spc="-1" strike="noStrike">
+          <a:lstStyle/>
+          <a:p>
+            <a:endParaRPr lang="en-US" sz="2800" b="0" strike="noStrike" spc="-1">
               <a:solidFill>
                 <a:srgbClr val="000000"/>
               </a:solidFill>
@@ -878,11 +1205,12 @@
           </a:prstGeom>
         </p:spPr>
         <p:txBody>
-          <a:bodyPr lIns="0" rIns="0" tIns="0" bIns="0">
+          <a:bodyPr lIns="0" tIns="0" rIns="0" bIns="0">
             <a:normAutofit/>
           </a:bodyPr>
-          <a:p>
-            <a:endParaRPr b="0" lang="en-US" sz="2800" spc="-1" strike="noStrike">
+          <a:lstStyle/>
+          <a:p>
+            <a:endParaRPr lang="en-US" sz="2800" b="0" strike="noStrike" spc="-1">
               <a:solidFill>
                 <a:srgbClr val="000000"/>
               </a:solidFill>
@@ -893,11 +1221,14 @@
       </p:sp>
     </p:spTree>
   </p:cSld>
+  <p:clrMapOvr>
+    <a:masterClrMapping/>
+  </p:clrMapOvr>
 </p:sldLayout>
 </file>
 
 <file path=ppt/slideLayouts/slideLayout5.xml><?xml version="1.0" encoding="utf-8"?>
-<p:sldLayout xmlns:a="http://schemas.openxmlformats.org/drawingml/2006/main" xmlns:p="http://schemas.openxmlformats.org/presentationml/2006/main" xmlns:r="http://schemas.openxmlformats.org/officeDocument/2006/relationships" xmlns:p14="http://schemas.microsoft.com/office/powerpoint/2010/main" xmlns:p15="http://schemas.microsoft.com/office/powerpoint/2012/main" xmlns:mc="http://schemas.openxmlformats.org/markup-compatibility/2006" type="titleOnly" preserve="1">
+<p:sldLayout xmlns:a="http://schemas.openxmlformats.org/drawingml/2006/main" xmlns:r="http://schemas.openxmlformats.org/officeDocument/2006/relationships" xmlns:p="http://schemas.openxmlformats.org/presentationml/2006/main" type="titleOnly" preserve="1">
   <p:cSld name="Title Only">
     <p:spTree>
       <p:nvGrpSpPr>
@@ -933,11 +1264,12 @@
           </a:prstGeom>
         </p:spPr>
         <p:txBody>
-          <a:bodyPr lIns="0" rIns="0" tIns="0" bIns="0" anchor="ctr">
+          <a:bodyPr lIns="0" tIns="0" rIns="0" bIns="0" anchor="ctr">
             <a:noAutofit/>
           </a:bodyPr>
-          <a:p>
-            <a:endParaRPr b="0" lang="en-US" sz="1800" spc="-1" strike="noStrike">
+          <a:lstStyle/>
+          <a:p>
+            <a:endParaRPr lang="en-US" sz="1800" b="0" strike="noStrike" spc="-1">
               <a:solidFill>
                 <a:srgbClr val="000000"/>
               </a:solidFill>
@@ -948,11 +1280,14 @@
       </p:sp>
     </p:spTree>
   </p:cSld>
+  <p:clrMapOvr>
+    <a:masterClrMapping/>
+  </p:clrMapOvr>
 </p:sldLayout>
 </file>
 
 <file path=ppt/slideLayouts/slideLayout6.xml><?xml version="1.0" encoding="utf-8"?>
-<p:sldLayout xmlns:a="http://schemas.openxmlformats.org/drawingml/2006/main" xmlns:p="http://schemas.openxmlformats.org/presentationml/2006/main" xmlns:r="http://schemas.openxmlformats.org/officeDocument/2006/relationships" xmlns:p14="http://schemas.microsoft.com/office/powerpoint/2010/main" xmlns:p15="http://schemas.microsoft.com/office/powerpoint/2012/main" xmlns:mc="http://schemas.openxmlformats.org/markup-compatibility/2006" type="objOnly" preserve="1">
+<p:sldLayout xmlns:a="http://schemas.openxmlformats.org/drawingml/2006/main" xmlns:r="http://schemas.openxmlformats.org/officeDocument/2006/relationships" xmlns:p="http://schemas.openxmlformats.org/presentationml/2006/main" type="objOnly" preserve="1">
   <p:cSld name="Centered Text">
     <p:spTree>
       <p:nvGrpSpPr>
@@ -988,12 +1323,13 @@
           </a:prstGeom>
         </p:spPr>
         <p:txBody>
-          <a:bodyPr lIns="0" rIns="0" tIns="0" bIns="0" anchor="ctr">
+          <a:bodyPr lIns="0" tIns="0" rIns="0" bIns="0" anchor="ctr">
             <a:noAutofit/>
           </a:bodyPr>
+          <a:lstStyle/>
           <a:p>
             <a:pPr algn="ctr"/>
-            <a:endParaRPr b="0" lang="en-US" sz="3200" spc="-1" strike="noStrike">
+            <a:endParaRPr lang="en-US" sz="3200" b="0" strike="noStrike" spc="-1">
               <a:latin typeface="Arial"/>
             </a:endParaRPr>
           </a:p>
@@ -1001,11 +1337,14 @@
       </p:sp>
     </p:spTree>
   </p:cSld>
+  <p:clrMapOvr>
+    <a:masterClrMapping/>
+  </p:clrMapOvr>
 </p:sldLayout>
 </file>
 
 <file path=ppt/slideLayouts/slideLayout7.xml><?xml version="1.0" encoding="utf-8"?>
-<p:sldLayout xmlns:a="http://schemas.openxmlformats.org/drawingml/2006/main" xmlns:p="http://schemas.openxmlformats.org/presentationml/2006/main" xmlns:r="http://schemas.openxmlformats.org/officeDocument/2006/relationships" xmlns:p14="http://schemas.microsoft.com/office/powerpoint/2010/main" xmlns:p15="http://schemas.microsoft.com/office/powerpoint/2012/main" xmlns:mc="http://schemas.openxmlformats.org/markup-compatibility/2006" type="twoObjAndObj" preserve="1">
+<p:sldLayout xmlns:a="http://schemas.openxmlformats.org/drawingml/2006/main" xmlns:r="http://schemas.openxmlformats.org/officeDocument/2006/relationships" xmlns:p="http://schemas.openxmlformats.org/presentationml/2006/main" type="twoObjAndObj" preserve="1">
   <p:cSld name="Title, 2 Content and Content">
     <p:spTree>
       <p:nvGrpSpPr>
@@ -1041,11 +1380,12 @@
           </a:prstGeom>
         </p:spPr>
         <p:txBody>
-          <a:bodyPr lIns="0" rIns="0" tIns="0" bIns="0" anchor="ctr">
+          <a:bodyPr lIns="0" tIns="0" rIns="0" bIns="0" anchor="ctr">
             <a:noAutofit/>
           </a:bodyPr>
-          <a:p>
-            <a:endParaRPr b="0" lang="en-US" sz="1800" spc="-1" strike="noStrike">
+          <a:lstStyle/>
+          <a:p>
+            <a:endParaRPr lang="en-US" sz="1800" b="0" strike="noStrike" spc="-1">
               <a:solidFill>
                 <a:srgbClr val="000000"/>
               </a:solidFill>
@@ -1074,11 +1414,12 @@
           </a:prstGeom>
         </p:spPr>
         <p:txBody>
-          <a:bodyPr lIns="0" rIns="0" tIns="0" bIns="0">
+          <a:bodyPr lIns="0" tIns="0" rIns="0" bIns="0">
             <a:normAutofit/>
           </a:bodyPr>
-          <a:p>
-            <a:endParaRPr b="0" lang="en-US" sz="2800" spc="-1" strike="noStrike">
+          <a:lstStyle/>
+          <a:p>
+            <a:endParaRPr lang="en-US" sz="2800" b="0" strike="noStrike" spc="-1">
               <a:solidFill>
                 <a:srgbClr val="000000"/>
               </a:solidFill>
@@ -1107,11 +1448,12 @@
           </a:prstGeom>
         </p:spPr>
         <p:txBody>
-          <a:bodyPr lIns="0" rIns="0" tIns="0" bIns="0">
+          <a:bodyPr lIns="0" tIns="0" rIns="0" bIns="0">
             <a:normAutofit/>
           </a:bodyPr>
-          <a:p>
-            <a:endParaRPr b="0" lang="en-US" sz="2800" spc="-1" strike="noStrike">
+          <a:lstStyle/>
+          <a:p>
+            <a:endParaRPr lang="en-US" sz="2800" b="0" strike="noStrike" spc="-1">
               <a:solidFill>
                 <a:srgbClr val="000000"/>
               </a:solidFill>
@@ -1140,11 +1482,12 @@
           </a:prstGeom>
         </p:spPr>
         <p:txBody>
-          <a:bodyPr lIns="0" rIns="0" tIns="0" bIns="0">
+          <a:bodyPr lIns="0" tIns="0" rIns="0" bIns="0">
             <a:normAutofit/>
           </a:bodyPr>
-          <a:p>
-            <a:endParaRPr b="0" lang="en-US" sz="2800" spc="-1" strike="noStrike">
+          <a:lstStyle/>
+          <a:p>
+            <a:endParaRPr lang="en-US" sz="2800" b="0" strike="noStrike" spc="-1">
               <a:solidFill>
                 <a:srgbClr val="000000"/>
               </a:solidFill>
@@ -1155,11 +1498,14 @@
       </p:sp>
     </p:spTree>
   </p:cSld>
+  <p:clrMapOvr>
+    <a:masterClrMapping/>
+  </p:clrMapOvr>
 </p:sldLayout>
 </file>
 
 <file path=ppt/slideLayouts/slideLayout8.xml><?xml version="1.0" encoding="utf-8"?>
-<p:sldLayout xmlns:a="http://schemas.openxmlformats.org/drawingml/2006/main" xmlns:p="http://schemas.openxmlformats.org/presentationml/2006/main" xmlns:r="http://schemas.openxmlformats.org/officeDocument/2006/relationships" xmlns:p14="http://schemas.microsoft.com/office/powerpoint/2010/main" xmlns:p15="http://schemas.microsoft.com/office/powerpoint/2012/main" xmlns:mc="http://schemas.openxmlformats.org/markup-compatibility/2006" type="objAndTwoObj" preserve="1">
+<p:sldLayout xmlns:a="http://schemas.openxmlformats.org/drawingml/2006/main" xmlns:r="http://schemas.openxmlformats.org/officeDocument/2006/relationships" xmlns:p="http://schemas.openxmlformats.org/presentationml/2006/main" type="objAndTwoObj" preserve="1">
   <p:cSld name="Title Content and 2 Content">
     <p:spTree>
       <p:nvGrpSpPr>
@@ -1195,11 +1541,12 @@
           </a:prstGeom>
         </p:spPr>
         <p:txBody>
-          <a:bodyPr lIns="0" rIns="0" tIns="0" bIns="0" anchor="ctr">
+          <a:bodyPr lIns="0" tIns="0" rIns="0" bIns="0" anchor="ctr">
             <a:noAutofit/>
           </a:bodyPr>
-          <a:p>
-            <a:endParaRPr b="0" lang="en-US" sz="1800" spc="-1" strike="noStrike">
+          <a:lstStyle/>
+          <a:p>
+            <a:endParaRPr lang="en-US" sz="1800" b="0" strike="noStrike" spc="-1">
               <a:solidFill>
                 <a:srgbClr val="000000"/>
               </a:solidFill>
@@ -1228,11 +1575,12 @@
           </a:prstGeom>
         </p:spPr>
         <p:txBody>
-          <a:bodyPr lIns="0" rIns="0" tIns="0" bIns="0">
+          <a:bodyPr lIns="0" tIns="0" rIns="0" bIns="0">
             <a:normAutofit/>
           </a:bodyPr>
-          <a:p>
-            <a:endParaRPr b="0" lang="en-US" sz="2800" spc="-1" strike="noStrike">
+          <a:lstStyle/>
+          <a:p>
+            <a:endParaRPr lang="en-US" sz="2800" b="0" strike="noStrike" spc="-1">
               <a:solidFill>
                 <a:srgbClr val="000000"/>
               </a:solidFill>
@@ -1261,11 +1609,12 @@
           </a:prstGeom>
         </p:spPr>
         <p:txBody>
-          <a:bodyPr lIns="0" rIns="0" tIns="0" bIns="0">
+          <a:bodyPr lIns="0" tIns="0" rIns="0" bIns="0">
             <a:normAutofit/>
           </a:bodyPr>
-          <a:p>
-            <a:endParaRPr b="0" lang="en-US" sz="2800" spc="-1" strike="noStrike">
+          <a:lstStyle/>
+          <a:p>
+            <a:endParaRPr lang="en-US" sz="2800" b="0" strike="noStrike" spc="-1">
               <a:solidFill>
                 <a:srgbClr val="000000"/>
               </a:solidFill>
@@ -1294,11 +1643,12 @@
           </a:prstGeom>
         </p:spPr>
         <p:txBody>
-          <a:bodyPr lIns="0" rIns="0" tIns="0" bIns="0">
+          <a:bodyPr lIns="0" tIns="0" rIns="0" bIns="0">
             <a:normAutofit/>
           </a:bodyPr>
-          <a:p>
-            <a:endParaRPr b="0" lang="en-US" sz="2800" spc="-1" strike="noStrike">
+          <a:lstStyle/>
+          <a:p>
+            <a:endParaRPr lang="en-US" sz="2800" b="0" strike="noStrike" spc="-1">
               <a:solidFill>
                 <a:srgbClr val="000000"/>
               </a:solidFill>
@@ -1309,11 +1659,14 @@
       </p:sp>
     </p:spTree>
   </p:cSld>
+  <p:clrMapOvr>
+    <a:masterClrMapping/>
+  </p:clrMapOvr>
 </p:sldLayout>
 </file>
 
 <file path=ppt/slideLayouts/slideLayout9.xml><?xml version="1.0" encoding="utf-8"?>
-<p:sldLayout xmlns:a="http://schemas.openxmlformats.org/drawingml/2006/main" xmlns:p="http://schemas.openxmlformats.org/presentationml/2006/main" xmlns:r="http://schemas.openxmlformats.org/officeDocument/2006/relationships" xmlns:p14="http://schemas.microsoft.com/office/powerpoint/2010/main" xmlns:p15="http://schemas.microsoft.com/office/powerpoint/2012/main" xmlns:mc="http://schemas.openxmlformats.org/markup-compatibility/2006" type="twoObjOverTx" preserve="1">
+<p:sldLayout xmlns:a="http://schemas.openxmlformats.org/drawingml/2006/main" xmlns:r="http://schemas.openxmlformats.org/officeDocument/2006/relationships" xmlns:p="http://schemas.openxmlformats.org/presentationml/2006/main" type="twoObjOverTx" preserve="1">
   <p:cSld name="Title, 2 Content over Content">
     <p:spTree>
       <p:nvGrpSpPr>
@@ -1349,11 +1702,12 @@
           </a:prstGeom>
         </p:spPr>
         <p:txBody>
-          <a:bodyPr lIns="0" rIns="0" tIns="0" bIns="0" anchor="ctr">
+          <a:bodyPr lIns="0" tIns="0" rIns="0" bIns="0" anchor="ctr">
             <a:noAutofit/>
           </a:bodyPr>
-          <a:p>
-            <a:endParaRPr b="0" lang="en-US" sz="1800" spc="-1" strike="noStrike">
+          <a:lstStyle/>
+          <a:p>
+            <a:endParaRPr lang="en-US" sz="1800" b="0" strike="noStrike" spc="-1">
               <a:solidFill>
                 <a:srgbClr val="000000"/>
               </a:solidFill>
@@ -1382,11 +1736,12 @@
           </a:prstGeom>
         </p:spPr>
         <p:txBody>
-          <a:bodyPr lIns="0" rIns="0" tIns="0" bIns="0">
+          <a:bodyPr lIns="0" tIns="0" rIns="0" bIns="0">
             <a:normAutofit/>
           </a:bodyPr>
-          <a:p>
-            <a:endParaRPr b="0" lang="en-US" sz="2800" spc="-1" strike="noStrike">
+          <a:lstStyle/>
+          <a:p>
+            <a:endParaRPr lang="en-US" sz="2800" b="0" strike="noStrike" spc="-1">
               <a:solidFill>
                 <a:srgbClr val="000000"/>
               </a:solidFill>
@@ -1415,11 +1770,12 @@
           </a:prstGeom>
         </p:spPr>
         <p:txBody>
-          <a:bodyPr lIns="0" rIns="0" tIns="0" bIns="0">
+          <a:bodyPr lIns="0" tIns="0" rIns="0" bIns="0">
             <a:normAutofit/>
           </a:bodyPr>
-          <a:p>
-            <a:endParaRPr b="0" lang="en-US" sz="2800" spc="-1" strike="noStrike">
+          <a:lstStyle/>
+          <a:p>
+            <a:endParaRPr lang="en-US" sz="2800" b="0" strike="noStrike" spc="-1">
               <a:solidFill>
                 <a:srgbClr val="000000"/>
               </a:solidFill>
@@ -1448,11 +1804,12 @@
           </a:prstGeom>
         </p:spPr>
         <p:txBody>
-          <a:bodyPr lIns="0" rIns="0" tIns="0" bIns="0">
+          <a:bodyPr lIns="0" tIns="0" rIns="0" bIns="0">
             <a:normAutofit/>
           </a:bodyPr>
-          <a:p>
-            <a:endParaRPr b="0" lang="en-US" sz="2800" spc="-1" strike="noStrike">
+          <a:lstStyle/>
+          <a:p>
+            <a:endParaRPr lang="en-US" sz="2800" b="0" strike="noStrike" spc="-1">
               <a:solidFill>
                 <a:srgbClr val="000000"/>
               </a:solidFill>
@@ -1463,17 +1820,21 @@
       </p:sp>
     </p:spTree>
   </p:cSld>
+  <p:clrMapOvr>
+    <a:masterClrMapping/>
+  </p:clrMapOvr>
 </p:sldLayout>
 </file>
 
 <file path=ppt/slideMasters/slideMaster1.xml><?xml version="1.0" encoding="utf-8"?>
-<p:sldMaster xmlns:a="http://schemas.openxmlformats.org/drawingml/2006/main" xmlns:p="http://schemas.openxmlformats.org/presentationml/2006/main" xmlns:r="http://schemas.openxmlformats.org/officeDocument/2006/relationships" xmlns:p14="http://schemas.microsoft.com/office/powerpoint/2010/main" xmlns:p15="http://schemas.microsoft.com/office/powerpoint/2012/main" xmlns:mc="http://schemas.openxmlformats.org/markup-compatibility/2006">
+<p:sldMaster xmlns:a="http://schemas.openxmlformats.org/drawingml/2006/main" xmlns:r="http://schemas.openxmlformats.org/officeDocument/2006/relationships" xmlns:p="http://schemas.openxmlformats.org/presentationml/2006/main">
   <p:cSld>
     <p:bg>
       <p:bgPr>
         <a:solidFill>
-          <a:srgbClr val="ffffff"/>
+          <a:srgbClr val="FFFFFF"/>
         </a:solidFill>
+        <a:effectLst/>
       </p:bgPr>
     </p:bg>
     <p:spTree>
@@ -1492,7 +1853,7 @@
       </p:grpSpPr>
       <p:sp>
         <p:nvSpPr>
-          <p:cNvPr id="0" name="PlaceHolder 1"/>
+          <p:cNvPr id="5" name="PlaceHolder 1"/>
           <p:cNvSpPr>
             <a:spLocks noGrp="1"/>
           </p:cNvSpPr>
@@ -1513,6 +1874,7 @@
           <a:bodyPr anchor="ctr">
             <a:noAutofit/>
           </a:bodyPr>
+          <a:lstStyle/>
           <a:p>
             <a:pPr>
               <a:lnSpc>
@@ -1520,7 +1882,7 @@
               </a:lnSpc>
             </a:pPr>
             <a:r>
-              <a:rPr b="0" lang="zh-CN" sz="4400" spc="-1" strike="noStrike">
+              <a:rPr lang="zh-CN" sz="4400" b="0" strike="noStrike" spc="-1">
                 <a:solidFill>
                   <a:srgbClr val="000000"/>
                 </a:solidFill>
@@ -1528,18 +1890,18 @@
               </a:rPr>
               <a:t>单击此处编辑母版标题样式</a:t>
             </a:r>
-            <a:endParaRPr b="0" lang="en-US" sz="4400" spc="-1" strike="noStrike">
-              <a:solidFill>
-                <a:srgbClr val="000000"/>
-              </a:solidFill>
-              <a:latin typeface="等线"/>
-            </a:endParaRPr>
-          </a:p>
-        </p:txBody>
-      </p:sp>
-      <p:sp>
-        <p:nvSpPr>
-          <p:cNvPr id="1" name="PlaceHolder 2"/>
+            <a:endParaRPr lang="en-US" sz="4400" b="0" strike="noStrike" spc="-1">
+              <a:solidFill>
+                <a:srgbClr val="000000"/>
+              </a:solidFill>
+              <a:latin typeface="等线"/>
+            </a:endParaRPr>
+          </a:p>
+        </p:txBody>
+      </p:sp>
+      <p:sp>
+        <p:nvSpPr>
+          <p:cNvPr id="6" name="PlaceHolder 2"/>
           <p:cNvSpPr>
             <a:spLocks noGrp="1"/>
           </p:cNvSpPr>
@@ -1560,6 +1922,7 @@
           <a:bodyPr>
             <a:noAutofit/>
           </a:bodyPr>
+          <a:lstStyle/>
           <a:p>
             <a:pPr marL="228600" indent="-228240">
               <a:lnSpc>
@@ -1575,7 +1938,7 @@
               <a:buChar char="•"/>
             </a:pPr>
             <a:r>
-              <a:rPr b="0" lang="zh-CN" sz="2800" spc="-1" strike="noStrike">
+              <a:rPr lang="zh-CN" sz="2800" b="0" strike="noStrike" spc="-1">
                 <a:solidFill>
                   <a:srgbClr val="000000"/>
                 </a:solidFill>
@@ -1583,15 +1946,15 @@
               </a:rPr>
               <a:t>编辑母版文本样式</a:t>
             </a:r>
-            <a:endParaRPr b="0" lang="en-US" sz="2800" spc="-1" strike="noStrike">
-              <a:solidFill>
-                <a:srgbClr val="000000"/>
-              </a:solidFill>
-              <a:latin typeface="等线"/>
-            </a:endParaRPr>
-          </a:p>
-          <a:p>
-            <a:pPr lvl="1" marL="685800" indent="-228240">
+            <a:endParaRPr lang="en-US" sz="2800" b="0" strike="noStrike" spc="-1">
+              <a:solidFill>
+                <a:srgbClr val="000000"/>
+              </a:solidFill>
+              <a:latin typeface="等线"/>
+            </a:endParaRPr>
+          </a:p>
+          <a:p>
+            <a:pPr marL="685800" lvl="1" indent="-228240">
               <a:lnSpc>
                 <a:spcPct val="90000"/>
               </a:lnSpc>
@@ -1605,7 +1968,7 @@
               <a:buChar char="•"/>
             </a:pPr>
             <a:r>
-              <a:rPr b="0" lang="zh-CN" sz="2400" spc="-1" strike="noStrike">
+              <a:rPr lang="zh-CN" sz="2400" b="0" strike="noStrike" spc="-1">
                 <a:solidFill>
                   <a:srgbClr val="000000"/>
                 </a:solidFill>
@@ -1613,15 +1976,15 @@
               </a:rPr>
               <a:t>第二级</a:t>
             </a:r>
-            <a:endParaRPr b="0" lang="en-US" sz="2400" spc="-1" strike="noStrike">
-              <a:solidFill>
-                <a:srgbClr val="000000"/>
-              </a:solidFill>
-              <a:latin typeface="等线"/>
-            </a:endParaRPr>
-          </a:p>
-          <a:p>
-            <a:pPr lvl="2" marL="1143000" indent="-228240">
+            <a:endParaRPr lang="en-US" sz="2400" b="0" strike="noStrike" spc="-1">
+              <a:solidFill>
+                <a:srgbClr val="000000"/>
+              </a:solidFill>
+              <a:latin typeface="等线"/>
+            </a:endParaRPr>
+          </a:p>
+          <a:p>
+            <a:pPr marL="1143000" lvl="2" indent="-228240">
               <a:lnSpc>
                 <a:spcPct val="90000"/>
               </a:lnSpc>
@@ -1635,7 +1998,7 @@
               <a:buChar char="•"/>
             </a:pPr>
             <a:r>
-              <a:rPr b="0" lang="zh-CN" sz="2000" spc="-1" strike="noStrike">
+              <a:rPr lang="zh-CN" sz="2000" b="0" strike="noStrike" spc="-1">
                 <a:solidFill>
                   <a:srgbClr val="000000"/>
                 </a:solidFill>
@@ -1643,15 +2006,15 @@
               </a:rPr>
               <a:t>第三级</a:t>
             </a:r>
-            <a:endParaRPr b="0" lang="en-US" sz="2000" spc="-1" strike="noStrike">
-              <a:solidFill>
-                <a:srgbClr val="000000"/>
-              </a:solidFill>
-              <a:latin typeface="等线"/>
-            </a:endParaRPr>
-          </a:p>
-          <a:p>
-            <a:pPr lvl="3" marL="1600200" indent="-228240">
+            <a:endParaRPr lang="en-US" sz="2000" b="0" strike="noStrike" spc="-1">
+              <a:solidFill>
+                <a:srgbClr val="000000"/>
+              </a:solidFill>
+              <a:latin typeface="等线"/>
+            </a:endParaRPr>
+          </a:p>
+          <a:p>
+            <a:pPr marL="1600200" lvl="3" indent="-228240">
               <a:lnSpc>
                 <a:spcPct val="90000"/>
               </a:lnSpc>
@@ -1665,7 +2028,7 @@
               <a:buChar char="•"/>
             </a:pPr>
             <a:r>
-              <a:rPr b="0" lang="zh-CN" sz="1800" spc="-1" strike="noStrike">
+              <a:rPr lang="zh-CN" sz="1800" b="0" strike="noStrike" spc="-1">
                 <a:solidFill>
                   <a:srgbClr val="000000"/>
                 </a:solidFill>
@@ -1673,15 +2036,15 @@
               </a:rPr>
               <a:t>第四级</a:t>
             </a:r>
-            <a:endParaRPr b="0" lang="en-US" sz="1800" spc="-1" strike="noStrike">
-              <a:solidFill>
-                <a:srgbClr val="000000"/>
-              </a:solidFill>
-              <a:latin typeface="等线"/>
-            </a:endParaRPr>
-          </a:p>
-          <a:p>
-            <a:pPr lvl="4" marL="2057400" indent="-228240">
+            <a:endParaRPr lang="en-US" sz="1800" b="0" strike="noStrike" spc="-1">
+              <a:solidFill>
+                <a:srgbClr val="000000"/>
+              </a:solidFill>
+              <a:latin typeface="等线"/>
+            </a:endParaRPr>
+          </a:p>
+          <a:p>
+            <a:pPr marL="2057400" lvl="4" indent="-228240">
               <a:lnSpc>
                 <a:spcPct val="90000"/>
               </a:lnSpc>
@@ -1695,7 +2058,7 @@
               <a:buChar char="•"/>
             </a:pPr>
             <a:r>
-              <a:rPr b="0" lang="zh-CN" sz="1800" spc="-1" strike="noStrike">
+              <a:rPr lang="zh-CN" sz="1800" b="0" strike="noStrike" spc="-1">
                 <a:solidFill>
                   <a:srgbClr val="000000"/>
                 </a:solidFill>
@@ -1703,7 +2066,7 @@
               </a:rPr>
               <a:t>第五级</a:t>
             </a:r>
-            <a:endParaRPr b="0" lang="en-US" sz="1800" spc="-1" strike="noStrike">
+            <a:endParaRPr lang="en-US" sz="1800" b="0" strike="noStrike" spc="-1">
               <a:solidFill>
                 <a:srgbClr val="000000"/>
               </a:solidFill>
@@ -1735,8 +2098,9 @@
           <a:bodyPr anchor="ctr">
             <a:noAutofit/>
           </a:bodyPr>
-          <a:p>
-            <a:endParaRPr b="0" lang="en-US" sz="2400" spc="-1" strike="noStrike">
+          <a:lstStyle/>
+          <a:p>
+            <a:endParaRPr lang="en-US" sz="2400" b="0" strike="noStrike" spc="-1">
               <a:latin typeface="Times New Roman"/>
             </a:endParaRPr>
           </a:p>
@@ -1765,8 +2129,9 @@
           <a:bodyPr anchor="ctr">
             <a:noAutofit/>
           </a:bodyPr>
-          <a:p>
-            <a:endParaRPr b="0" lang="en-US" sz="2400" spc="-1" strike="noStrike">
+          <a:lstStyle/>
+          <a:p>
+            <a:endParaRPr lang="en-US" sz="2400" b="0" strike="noStrike" spc="-1">
               <a:latin typeface="Times New Roman"/>
             </a:endParaRPr>
           </a:p>
@@ -1795,8 +2160,9 @@
           <a:bodyPr anchor="ctr">
             <a:noAutofit/>
           </a:bodyPr>
-          <a:p>
-            <a:endParaRPr b="0" lang="en-US" sz="2400" spc="-1" strike="noStrike">
+          <a:lstStyle/>
+          <a:p>
+            <a:endParaRPr lang="en-US" sz="2400" b="0" strike="noStrike" spc="-1">
               <a:latin typeface="Times New Roman"/>
             </a:endParaRPr>
           </a:p>
@@ -1804,26 +2170,307 @@
       </p:sp>
     </p:spTree>
   </p:cSld>
-  <p:clrMap bg1="lt1" bg2="lt2" tx1="dk1" tx2="dk2" accent1="accent1" accent2="accent2" accent3="accent3" accent4="accent4" accent5="accent5" accent6="accent6" hlink="hlink" folHlink="folHlink"/>
+  <p:clrMap bg1="lt1" tx1="dk1" bg2="lt2" tx2="dk2" accent1="accent1" accent2="accent2" accent3="accent3" accent4="accent4" accent5="accent5" accent6="accent6" hlink="hlink" folHlink="folHlink"/>
   <p:sldLayoutIdLst>
-    <p:sldLayoutId id="2147483649" r:id="rId2"/>
-    <p:sldLayoutId id="2147483650" r:id="rId3"/>
-    <p:sldLayoutId id="2147483651" r:id="rId4"/>
-    <p:sldLayoutId id="2147483652" r:id="rId5"/>
-    <p:sldLayoutId id="2147483653" r:id="rId6"/>
-    <p:sldLayoutId id="2147483654" r:id="rId7"/>
-    <p:sldLayoutId id="2147483655" r:id="rId8"/>
-    <p:sldLayoutId id="2147483656" r:id="rId9"/>
-    <p:sldLayoutId id="2147483657" r:id="rId10"/>
-    <p:sldLayoutId id="2147483658" r:id="rId11"/>
-    <p:sldLayoutId id="2147483659" r:id="rId12"/>
-    <p:sldLayoutId id="2147483660" r:id="rId13"/>
+    <p:sldLayoutId id="2147483649" r:id="rId1"/>
+    <p:sldLayoutId id="2147483650" r:id="rId2"/>
+    <p:sldLayoutId id="2147483651" r:id="rId3"/>
+    <p:sldLayoutId id="2147483652" r:id="rId4"/>
+    <p:sldLayoutId id="2147483653" r:id="rId5"/>
+    <p:sldLayoutId id="2147483654" r:id="rId6"/>
+    <p:sldLayoutId id="2147483655" r:id="rId7"/>
+    <p:sldLayoutId id="2147483656" r:id="rId8"/>
+    <p:sldLayoutId id="2147483657" r:id="rId9"/>
+    <p:sldLayoutId id="2147483658" r:id="rId10"/>
+    <p:sldLayoutId id="2147483659" r:id="rId11"/>
+    <p:sldLayoutId id="2147483660" r:id="rId12"/>
+    <p:sldLayoutId id="2147483661" r:id="rId13"/>
   </p:sldLayoutIdLst>
+  <p:txStyles>
+    <p:titleStyle>
+      <a:lvl1pPr algn="l" defTabSz="914400" rtl="0" eaLnBrk="1" latinLnBrk="0" hangingPunct="1">
+        <a:lnSpc>
+          <a:spcPct val="90000"/>
+        </a:lnSpc>
+        <a:spcBef>
+          <a:spcPct val="0"/>
+        </a:spcBef>
+        <a:buNone/>
+        <a:defRPr sz="4400" kern="1200">
+          <a:solidFill>
+            <a:schemeClr val="tx1"/>
+          </a:solidFill>
+          <a:latin typeface="+mj-lt"/>
+          <a:ea typeface="+mj-ea"/>
+          <a:cs typeface="+mj-cs"/>
+        </a:defRPr>
+      </a:lvl1pPr>
+    </p:titleStyle>
+    <p:bodyStyle>
+      <a:lvl1pPr marL="228600" indent="-228600" algn="l" defTabSz="914400" rtl="0" eaLnBrk="1" latinLnBrk="0" hangingPunct="1">
+        <a:lnSpc>
+          <a:spcPct val="90000"/>
+        </a:lnSpc>
+        <a:spcBef>
+          <a:spcPts val="1000"/>
+        </a:spcBef>
+        <a:buFont typeface="Arial" panose="020B0604020202020204" pitchFamily="34" charset="0"/>
+        <a:buChar char="•"/>
+        <a:defRPr sz="2800" kern="1200">
+          <a:solidFill>
+            <a:schemeClr val="tx1"/>
+          </a:solidFill>
+          <a:latin typeface="+mn-lt"/>
+          <a:ea typeface="+mn-ea"/>
+          <a:cs typeface="+mn-cs"/>
+        </a:defRPr>
+      </a:lvl1pPr>
+      <a:lvl2pPr marL="685800" indent="-228600" algn="l" defTabSz="914400" rtl="0" eaLnBrk="1" latinLnBrk="0" hangingPunct="1">
+        <a:lnSpc>
+          <a:spcPct val="90000"/>
+        </a:lnSpc>
+        <a:spcBef>
+          <a:spcPts val="500"/>
+        </a:spcBef>
+        <a:buFont typeface="Arial" panose="020B0604020202020204" pitchFamily="34" charset="0"/>
+        <a:buChar char="•"/>
+        <a:defRPr sz="2400" kern="1200">
+          <a:solidFill>
+            <a:schemeClr val="tx1"/>
+          </a:solidFill>
+          <a:latin typeface="+mn-lt"/>
+          <a:ea typeface="+mn-ea"/>
+          <a:cs typeface="+mn-cs"/>
+        </a:defRPr>
+      </a:lvl2pPr>
+      <a:lvl3pPr marL="1143000" indent="-228600" algn="l" defTabSz="914400" rtl="0" eaLnBrk="1" latinLnBrk="0" hangingPunct="1">
+        <a:lnSpc>
+          <a:spcPct val="90000"/>
+        </a:lnSpc>
+        <a:spcBef>
+          <a:spcPts val="500"/>
+        </a:spcBef>
+        <a:buFont typeface="Arial" panose="020B0604020202020204" pitchFamily="34" charset="0"/>
+        <a:buChar char="•"/>
+        <a:defRPr sz="2000" kern="1200">
+          <a:solidFill>
+            <a:schemeClr val="tx1"/>
+          </a:solidFill>
+          <a:latin typeface="+mn-lt"/>
+          <a:ea typeface="+mn-ea"/>
+          <a:cs typeface="+mn-cs"/>
+        </a:defRPr>
+      </a:lvl3pPr>
+      <a:lvl4pPr marL="1600200" indent="-228600" algn="l" defTabSz="914400" rtl="0" eaLnBrk="1" latinLnBrk="0" hangingPunct="1">
+        <a:lnSpc>
+          <a:spcPct val="90000"/>
+        </a:lnSpc>
+        <a:spcBef>
+          <a:spcPts val="500"/>
+        </a:spcBef>
+        <a:buFont typeface="Arial" panose="020B0604020202020204" pitchFamily="34" charset="0"/>
+        <a:buChar char="•"/>
+        <a:defRPr sz="1800" kern="1200">
+          <a:solidFill>
+            <a:schemeClr val="tx1"/>
+          </a:solidFill>
+          <a:latin typeface="+mn-lt"/>
+          <a:ea typeface="+mn-ea"/>
+          <a:cs typeface="+mn-cs"/>
+        </a:defRPr>
+      </a:lvl4pPr>
+      <a:lvl5pPr marL="2057400" indent="-228600" algn="l" defTabSz="914400" rtl="0" eaLnBrk="1" latinLnBrk="0" hangingPunct="1">
+        <a:lnSpc>
+          <a:spcPct val="90000"/>
+        </a:lnSpc>
+        <a:spcBef>
+          <a:spcPts val="500"/>
+        </a:spcBef>
+        <a:buFont typeface="Arial" panose="020B0604020202020204" pitchFamily="34" charset="0"/>
+        <a:buChar char="•"/>
+        <a:defRPr sz="1800" kern="1200">
+          <a:solidFill>
+            <a:schemeClr val="tx1"/>
+          </a:solidFill>
+          <a:latin typeface="+mn-lt"/>
+          <a:ea typeface="+mn-ea"/>
+          <a:cs typeface="+mn-cs"/>
+        </a:defRPr>
+      </a:lvl5pPr>
+      <a:lvl6pPr marL="2514600" indent="-228600" algn="l" defTabSz="914400" rtl="0" eaLnBrk="1" latinLnBrk="0" hangingPunct="1">
+        <a:lnSpc>
+          <a:spcPct val="90000"/>
+        </a:lnSpc>
+        <a:spcBef>
+          <a:spcPts val="500"/>
+        </a:spcBef>
+        <a:buFont typeface="Arial" panose="020B0604020202020204" pitchFamily="34" charset="0"/>
+        <a:buChar char="•"/>
+        <a:defRPr sz="1800" kern="1200">
+          <a:solidFill>
+            <a:schemeClr val="tx1"/>
+          </a:solidFill>
+          <a:latin typeface="+mn-lt"/>
+          <a:ea typeface="+mn-ea"/>
+          <a:cs typeface="+mn-cs"/>
+        </a:defRPr>
+      </a:lvl6pPr>
+      <a:lvl7pPr marL="2971800" indent="-228600" algn="l" defTabSz="914400" rtl="0" eaLnBrk="1" latinLnBrk="0" hangingPunct="1">
+        <a:lnSpc>
+          <a:spcPct val="90000"/>
+        </a:lnSpc>
+        <a:spcBef>
+          <a:spcPts val="500"/>
+        </a:spcBef>
+        <a:buFont typeface="Arial" panose="020B0604020202020204" pitchFamily="34" charset="0"/>
+        <a:buChar char="•"/>
+        <a:defRPr sz="1800" kern="1200">
+          <a:solidFill>
+            <a:schemeClr val="tx1"/>
+          </a:solidFill>
+          <a:latin typeface="+mn-lt"/>
+          <a:ea typeface="+mn-ea"/>
+          <a:cs typeface="+mn-cs"/>
+        </a:defRPr>
+      </a:lvl7pPr>
+      <a:lvl8pPr marL="3429000" indent="-228600" algn="l" defTabSz="914400" rtl="0" eaLnBrk="1" latinLnBrk="0" hangingPunct="1">
+        <a:lnSpc>
+          <a:spcPct val="90000"/>
+        </a:lnSpc>
+        <a:spcBef>
+          <a:spcPts val="500"/>
+        </a:spcBef>
+        <a:buFont typeface="Arial" panose="020B0604020202020204" pitchFamily="34" charset="0"/>
+        <a:buChar char="•"/>
+        <a:defRPr sz="1800" kern="1200">
+          <a:solidFill>
+            <a:schemeClr val="tx1"/>
+          </a:solidFill>
+          <a:latin typeface="+mn-lt"/>
+          <a:ea typeface="+mn-ea"/>
+          <a:cs typeface="+mn-cs"/>
+        </a:defRPr>
+      </a:lvl8pPr>
+      <a:lvl9pPr marL="3886200" indent="-228600" algn="l" defTabSz="914400" rtl="0" eaLnBrk="1" latinLnBrk="0" hangingPunct="1">
+        <a:lnSpc>
+          <a:spcPct val="90000"/>
+        </a:lnSpc>
+        <a:spcBef>
+          <a:spcPts val="500"/>
+        </a:spcBef>
+        <a:buFont typeface="Arial" panose="020B0604020202020204" pitchFamily="34" charset="0"/>
+        <a:buChar char="•"/>
+        <a:defRPr sz="1800" kern="1200">
+          <a:solidFill>
+            <a:schemeClr val="tx1"/>
+          </a:solidFill>
+          <a:latin typeface="+mn-lt"/>
+          <a:ea typeface="+mn-ea"/>
+          <a:cs typeface="+mn-cs"/>
+        </a:defRPr>
+      </a:lvl9pPr>
+    </p:bodyStyle>
+    <p:otherStyle>
+      <a:defPPr>
+        <a:defRPr lang="zh-CN"/>
+      </a:defPPr>
+      <a:lvl1pPr marL="0" algn="l" defTabSz="914400" rtl="0" eaLnBrk="1" latinLnBrk="0" hangingPunct="1">
+        <a:defRPr sz="1800" kern="1200">
+          <a:solidFill>
+            <a:schemeClr val="tx1"/>
+          </a:solidFill>
+          <a:latin typeface="+mn-lt"/>
+          <a:ea typeface="+mn-ea"/>
+          <a:cs typeface="+mn-cs"/>
+        </a:defRPr>
+      </a:lvl1pPr>
+      <a:lvl2pPr marL="457200" algn="l" defTabSz="914400" rtl="0" eaLnBrk="1" latinLnBrk="0" hangingPunct="1">
+        <a:defRPr sz="1800" kern="1200">
+          <a:solidFill>
+            <a:schemeClr val="tx1"/>
+          </a:solidFill>
+          <a:latin typeface="+mn-lt"/>
+          <a:ea typeface="+mn-ea"/>
+          <a:cs typeface="+mn-cs"/>
+        </a:defRPr>
+      </a:lvl2pPr>
+      <a:lvl3pPr marL="914400" algn="l" defTabSz="914400" rtl="0" eaLnBrk="1" latinLnBrk="0" hangingPunct="1">
+        <a:defRPr sz="1800" kern="1200">
+          <a:solidFill>
+            <a:schemeClr val="tx1"/>
+          </a:solidFill>
+          <a:latin typeface="+mn-lt"/>
+          <a:ea typeface="+mn-ea"/>
+          <a:cs typeface="+mn-cs"/>
+        </a:defRPr>
+      </a:lvl3pPr>
+      <a:lvl4pPr marL="1371600" algn="l" defTabSz="914400" rtl="0" eaLnBrk="1" latinLnBrk="0" hangingPunct="1">
+        <a:defRPr sz="1800" kern="1200">
+          <a:solidFill>
+            <a:schemeClr val="tx1"/>
+          </a:solidFill>
+          <a:latin typeface="+mn-lt"/>
+          <a:ea typeface="+mn-ea"/>
+          <a:cs typeface="+mn-cs"/>
+        </a:defRPr>
+      </a:lvl4pPr>
+      <a:lvl5pPr marL="1828800" algn="l" defTabSz="914400" rtl="0" eaLnBrk="1" latinLnBrk="0" hangingPunct="1">
+        <a:defRPr sz="1800" kern="1200">
+          <a:solidFill>
+            <a:schemeClr val="tx1"/>
+          </a:solidFill>
+          <a:latin typeface="+mn-lt"/>
+          <a:ea typeface="+mn-ea"/>
+          <a:cs typeface="+mn-cs"/>
+        </a:defRPr>
+      </a:lvl5pPr>
+      <a:lvl6pPr marL="2286000" algn="l" defTabSz="914400" rtl="0" eaLnBrk="1" latinLnBrk="0" hangingPunct="1">
+        <a:defRPr sz="1800" kern="1200">
+          <a:solidFill>
+            <a:schemeClr val="tx1"/>
+          </a:solidFill>
+          <a:latin typeface="+mn-lt"/>
+          <a:ea typeface="+mn-ea"/>
+          <a:cs typeface="+mn-cs"/>
+        </a:defRPr>
+      </a:lvl6pPr>
+      <a:lvl7pPr marL="2743200" algn="l" defTabSz="914400" rtl="0" eaLnBrk="1" latinLnBrk="0" hangingPunct="1">
+        <a:defRPr sz="1800" kern="1200">
+          <a:solidFill>
+            <a:schemeClr val="tx1"/>
+          </a:solidFill>
+          <a:latin typeface="+mn-lt"/>
+          <a:ea typeface="+mn-ea"/>
+          <a:cs typeface="+mn-cs"/>
+        </a:defRPr>
+      </a:lvl7pPr>
+      <a:lvl8pPr marL="3200400" algn="l" defTabSz="914400" rtl="0" eaLnBrk="1" latinLnBrk="0" hangingPunct="1">
+        <a:defRPr sz="1800" kern="1200">
+          <a:solidFill>
+            <a:schemeClr val="tx1"/>
+          </a:solidFill>
+          <a:latin typeface="+mn-lt"/>
+          <a:ea typeface="+mn-ea"/>
+          <a:cs typeface="+mn-cs"/>
+        </a:defRPr>
+      </a:lvl8pPr>
+      <a:lvl9pPr marL="3657600" algn="l" defTabSz="914400" rtl="0" eaLnBrk="1" latinLnBrk="0" hangingPunct="1">
+        <a:defRPr sz="1800" kern="1200">
+          <a:solidFill>
+            <a:schemeClr val="tx1"/>
+          </a:solidFill>
+          <a:latin typeface="+mn-lt"/>
+          <a:ea typeface="+mn-ea"/>
+          <a:cs typeface="+mn-cs"/>
+        </a:defRPr>
+      </a:lvl9pPr>
+    </p:otherStyle>
+  </p:txStyles>
 </p:sldMaster>
 </file>
 
 <file path=ppt/slides/slide1.xml><?xml version="1.0" encoding="utf-8"?>
-<p:sld xmlns:a="http://schemas.openxmlformats.org/drawingml/2006/main" xmlns:p="http://schemas.openxmlformats.org/presentationml/2006/main" xmlns:r="http://schemas.openxmlformats.org/officeDocument/2006/relationships" xmlns:p14="http://schemas.microsoft.com/office/powerpoint/2010/main" xmlns:p15="http://schemas.microsoft.com/office/powerpoint/2012/main" xmlns:mc="http://schemas.openxmlformats.org/markup-compatibility/2006">
+<p:sld xmlns:a="http://schemas.openxmlformats.org/drawingml/2006/main" xmlns:r="http://schemas.openxmlformats.org/officeDocument/2006/relationships" xmlns:p="http://schemas.openxmlformats.org/presentationml/2006/main">
   <p:cSld>
     <p:spTree>
       <p:nvGrpSpPr>
@@ -1841,586 +2488,80 @@
       </p:grpSpPr>
       <p:sp>
         <p:nvSpPr>
-          <p:cNvPr id="41" name="TextShape 1"/>
-          <p:cNvSpPr txBox="1"/>
-          <p:nvPr/>
-        </p:nvSpPr>
-        <p:spPr>
-          <a:xfrm>
-            <a:off x="838080" y="365040"/>
-            <a:ext cx="10515240" cy="1325160"/>
-          </a:xfrm>
-          <a:prstGeom prst="rect">
-            <a:avLst/>
-          </a:prstGeom>
-          <a:noFill/>
-          <a:ln>
-            <a:noFill/>
-          </a:ln>
-        </p:spPr>
-        <p:txBody>
-          <a:bodyPr anchor="ctr">
-            <a:noAutofit/>
-          </a:bodyPr>
-          <a:p>
-            <a:pPr>
-              <a:lnSpc>
-                <a:spcPct val="90000"/>
-              </a:lnSpc>
-            </a:pPr>
-            <a:r>
-              <a:rPr b="0" lang="en-US" sz="4400" spc="-1" strike="noStrike">
-                <a:solidFill>
-                  <a:srgbClr val="000000"/>
-                </a:solidFill>
-                <a:latin typeface="等线 Light"/>
-              </a:rPr>
-              <a:t>ARP </a:t>
-            </a:r>
-            <a:r>
-              <a:rPr b="0" lang="zh-CN" sz="4400" spc="-1" strike="noStrike">
-                <a:solidFill>
-                  <a:srgbClr val="000000"/>
-                </a:solidFill>
-                <a:latin typeface="等线 Light"/>
-              </a:rPr>
-              <a:t>缓存表</a:t>
-            </a:r>
-            <a:endParaRPr b="0" lang="en-US" sz="4400" spc="-1" strike="noStrike">
-              <a:solidFill>
-                <a:srgbClr val="000000"/>
-              </a:solidFill>
-              <a:latin typeface="等线"/>
-            </a:endParaRPr>
-          </a:p>
-        </p:txBody>
-      </p:sp>
-      <p:sp>
-        <p:nvSpPr>
-          <p:cNvPr id="42" name="TextShape 2"/>
-          <p:cNvSpPr txBox="1"/>
-          <p:nvPr/>
-        </p:nvSpPr>
-        <p:spPr>
-          <a:xfrm>
-            <a:off x="838080" y="1825560"/>
-            <a:ext cx="10515240" cy="4350960"/>
-          </a:xfrm>
-          <a:prstGeom prst="rect">
-            <a:avLst/>
-          </a:prstGeom>
-          <a:noFill/>
-          <a:ln>
-            <a:noFill/>
-          </a:ln>
-        </p:spPr>
-        <p:txBody>
-          <a:bodyPr>
-            <a:noAutofit/>
-          </a:bodyPr>
-          <a:p>
-            <a:pPr marL="228600" indent="-228240">
-              <a:lnSpc>
-                <a:spcPct val="90000"/>
-              </a:lnSpc>
-              <a:spcBef>
-                <a:spcPts val="1001"/>
-              </a:spcBef>
-              <a:buClr>
-                <a:srgbClr val="000000"/>
-              </a:buClr>
-              <a:buFont typeface="Arial"/>
-              <a:buChar char="•"/>
-            </a:pPr>
-            <a:r>
-              <a:rPr b="0" lang="zh-CN" sz="2800" spc="-1" strike="noStrike">
-                <a:solidFill>
-                  <a:srgbClr val="000000"/>
-                </a:solidFill>
-                <a:latin typeface="等线"/>
-              </a:rPr>
-              <a:t>查询模式（</a:t>
-            </a:r>
-            <a:r>
-              <a:rPr b="0" lang="en-US" sz="2800" spc="-1" strike="noStrike">
-                <a:solidFill>
-                  <a:srgbClr val="000000"/>
-                </a:solidFill>
-                <a:latin typeface="等线"/>
-              </a:rPr>
-              <a:t>r_en</a:t>
-            </a:r>
-            <a:r>
-              <a:rPr b="0" lang="zh-CN" sz="2800" spc="-1" strike="noStrike">
-                <a:solidFill>
-                  <a:srgbClr val="000000"/>
-                </a:solidFill>
-                <a:latin typeface="等线"/>
-              </a:rPr>
-              <a:t>为高电平）</a:t>
-            </a:r>
-            <a:endParaRPr b="0" lang="en-US" sz="2800" spc="-1" strike="noStrike">
-              <a:solidFill>
-                <a:srgbClr val="000000"/>
-              </a:solidFill>
-              <a:latin typeface="等线"/>
-            </a:endParaRPr>
-          </a:p>
-          <a:p>
-            <a:pPr lvl="1" marL="685800" indent="-228240">
-              <a:lnSpc>
-                <a:spcPct val="90000"/>
-              </a:lnSpc>
-              <a:spcBef>
-                <a:spcPts val="499"/>
-              </a:spcBef>
-              <a:buClr>
-                <a:srgbClr val="000000"/>
-              </a:buClr>
-              <a:buFont typeface="Arial"/>
-              <a:buChar char="•"/>
-            </a:pPr>
-            <a:r>
-              <a:rPr b="0" lang="zh-CN" sz="2400" spc="-1" strike="noStrike">
-                <a:solidFill>
-                  <a:srgbClr val="000000"/>
-                </a:solidFill>
-                <a:latin typeface="等线"/>
-              </a:rPr>
-              <a:t>输入：</a:t>
-            </a:r>
-            <a:r>
-              <a:rPr b="0" lang="en-US" sz="2400" spc="-1" strike="noStrike">
-                <a:solidFill>
-                  <a:srgbClr val="000000"/>
-                </a:solidFill>
-                <a:latin typeface="等线"/>
-              </a:rPr>
-              <a:t>IP</a:t>
-            </a:r>
-            <a:r>
-              <a:rPr b="0" lang="zh-CN" sz="2400" spc="-1" strike="noStrike">
-                <a:solidFill>
-                  <a:srgbClr val="000000"/>
-                </a:solidFill>
-                <a:latin typeface="等线"/>
-              </a:rPr>
-              <a:t>地址</a:t>
-            </a:r>
-            <a:endParaRPr b="0" lang="en-US" sz="2400" spc="-1" strike="noStrike">
-              <a:solidFill>
-                <a:srgbClr val="000000"/>
-              </a:solidFill>
-              <a:latin typeface="等线"/>
-            </a:endParaRPr>
-          </a:p>
-          <a:p>
-            <a:pPr lvl="1" marL="685800" indent="-228240">
-              <a:lnSpc>
-                <a:spcPct val="90000"/>
-              </a:lnSpc>
-              <a:spcBef>
-                <a:spcPts val="499"/>
-              </a:spcBef>
-              <a:buClr>
-                <a:srgbClr val="000000"/>
-              </a:buClr>
-              <a:buFont typeface="Arial"/>
-              <a:buChar char="•"/>
-            </a:pPr>
-            <a:r>
-              <a:rPr b="0" lang="zh-CN" sz="2400" spc="-1" strike="noStrike">
-                <a:solidFill>
-                  <a:srgbClr val="000000"/>
-                </a:solidFill>
-                <a:latin typeface="等线"/>
-              </a:rPr>
-              <a:t>输出：表里的</a:t>
-            </a:r>
-            <a:r>
-              <a:rPr b="0" lang="en-US" sz="2400" spc="-1" strike="noStrike">
-                <a:solidFill>
-                  <a:srgbClr val="000000"/>
-                </a:solidFill>
-                <a:latin typeface="等线"/>
-              </a:rPr>
-              <a:t>MAC</a:t>
-            </a:r>
-            <a:r>
-              <a:rPr b="0" lang="zh-CN" sz="2400" spc="-1" strike="noStrike">
-                <a:solidFill>
-                  <a:srgbClr val="000000"/>
-                </a:solidFill>
-                <a:latin typeface="等线"/>
-              </a:rPr>
-              <a:t>地址（没找到输出全</a:t>
-            </a:r>
-            <a:r>
-              <a:rPr b="0" lang="en-US" sz="2400" spc="-1" strike="noStrike">
-                <a:solidFill>
-                  <a:srgbClr val="000000"/>
-                </a:solidFill>
-                <a:latin typeface="等线"/>
-              </a:rPr>
-              <a:t>0</a:t>
-            </a:r>
-            <a:r>
-              <a:rPr b="0" lang="zh-CN" sz="2400" spc="-1" strike="noStrike">
-                <a:solidFill>
-                  <a:srgbClr val="000000"/>
-                </a:solidFill>
-                <a:latin typeface="等线"/>
-              </a:rPr>
-              <a:t>）</a:t>
-            </a:r>
-            <a:endParaRPr b="0" lang="en-US" sz="2400" spc="-1" strike="noStrike">
-              <a:solidFill>
-                <a:srgbClr val="000000"/>
-              </a:solidFill>
-              <a:latin typeface="等线"/>
-            </a:endParaRPr>
-          </a:p>
-          <a:p>
-            <a:pPr marL="228600" indent="-228240">
-              <a:lnSpc>
-                <a:spcPct val="90000"/>
-              </a:lnSpc>
-              <a:spcBef>
-                <a:spcPts val="1001"/>
-              </a:spcBef>
-              <a:buClr>
-                <a:srgbClr val="000000"/>
-              </a:buClr>
-              <a:buFont typeface="Arial"/>
-              <a:buChar char="•"/>
-            </a:pPr>
-            <a:r>
-              <a:rPr b="0" lang="zh-CN" sz="2800" spc="-1" strike="noStrike">
-                <a:solidFill>
-                  <a:srgbClr val="000000"/>
-                </a:solidFill>
-                <a:latin typeface="等线"/>
-              </a:rPr>
-              <a:t>写入模式（</a:t>
-            </a:r>
-            <a:r>
-              <a:rPr b="0" lang="en-US" sz="2800" spc="-1" strike="noStrike">
-                <a:solidFill>
-                  <a:srgbClr val="000000"/>
-                </a:solidFill>
-                <a:latin typeface="等线"/>
-              </a:rPr>
-              <a:t>w_en</a:t>
-            </a:r>
-            <a:r>
-              <a:rPr b="0" lang="zh-CN" sz="2800" spc="-1" strike="noStrike">
-                <a:solidFill>
-                  <a:srgbClr val="000000"/>
-                </a:solidFill>
-                <a:latin typeface="等线"/>
-              </a:rPr>
-              <a:t>为高电平）</a:t>
-            </a:r>
-            <a:endParaRPr b="0" lang="en-US" sz="2800" spc="-1" strike="noStrike">
-              <a:solidFill>
-                <a:srgbClr val="000000"/>
-              </a:solidFill>
-              <a:latin typeface="等线"/>
-            </a:endParaRPr>
-          </a:p>
-          <a:p>
-            <a:pPr lvl="1" marL="685800" indent="-228240">
-              <a:lnSpc>
-                <a:spcPct val="90000"/>
-              </a:lnSpc>
-              <a:spcBef>
-                <a:spcPts val="499"/>
-              </a:spcBef>
-              <a:buClr>
-                <a:srgbClr val="000000"/>
-              </a:buClr>
-              <a:buFont typeface="Arial"/>
-              <a:buChar char="•"/>
-            </a:pPr>
-            <a:r>
-              <a:rPr b="0" lang="zh-CN" sz="2400" spc="-1" strike="noStrike">
-                <a:solidFill>
-                  <a:srgbClr val="000000"/>
-                </a:solidFill>
-                <a:latin typeface="等线"/>
-              </a:rPr>
-              <a:t>输入：</a:t>
-            </a:r>
-            <a:r>
-              <a:rPr b="0" lang="en-US" sz="2400" spc="-1" strike="noStrike">
-                <a:solidFill>
-                  <a:srgbClr val="000000"/>
-                </a:solidFill>
-                <a:latin typeface="等线"/>
-              </a:rPr>
-              <a:t>&lt;IP</a:t>
-            </a:r>
-            <a:r>
-              <a:rPr b="0" lang="zh-CN" sz="2400" spc="-1" strike="noStrike">
-                <a:solidFill>
-                  <a:srgbClr val="000000"/>
-                </a:solidFill>
-                <a:latin typeface="等线"/>
-              </a:rPr>
-              <a:t>地址</a:t>
-            </a:r>
-            <a:r>
-              <a:rPr b="0" lang="en-US" sz="2400" spc="-1" strike="noStrike">
-                <a:solidFill>
-                  <a:srgbClr val="000000"/>
-                </a:solidFill>
-                <a:latin typeface="等线"/>
-              </a:rPr>
-              <a:t>, MAC</a:t>
-            </a:r>
-            <a:r>
-              <a:rPr b="0" lang="zh-CN" sz="2400" spc="-1" strike="noStrike">
-                <a:solidFill>
-                  <a:srgbClr val="000000"/>
-                </a:solidFill>
-                <a:latin typeface="等线"/>
-              </a:rPr>
-              <a:t>地址</a:t>
-            </a:r>
-            <a:r>
-              <a:rPr b="0" lang="en-US" sz="2400" spc="-1" strike="noStrike">
-                <a:solidFill>
-                  <a:srgbClr val="000000"/>
-                </a:solidFill>
-                <a:latin typeface="等线"/>
-              </a:rPr>
-              <a:t>&gt; Pair</a:t>
-            </a:r>
-            <a:endParaRPr b="0" lang="en-US" sz="2400" spc="-1" strike="noStrike">
-              <a:solidFill>
-                <a:srgbClr val="000000"/>
-              </a:solidFill>
-              <a:latin typeface="等线"/>
-            </a:endParaRPr>
-          </a:p>
-          <a:p>
-            <a:pPr lvl="1" marL="685800" indent="-228240">
-              <a:lnSpc>
-                <a:spcPct val="90000"/>
-              </a:lnSpc>
-              <a:spcBef>
-                <a:spcPts val="499"/>
-              </a:spcBef>
-              <a:buClr>
-                <a:srgbClr val="000000"/>
-              </a:buClr>
-              <a:buFont typeface="Arial"/>
-              <a:buChar char="•"/>
-            </a:pPr>
-            <a:r>
-              <a:rPr b="0" lang="zh-CN" sz="2400" spc="-1" strike="noStrike">
-                <a:solidFill>
-                  <a:srgbClr val="000000"/>
-                </a:solidFill>
-                <a:latin typeface="等线"/>
-              </a:rPr>
-              <a:t>输出：无</a:t>
-            </a:r>
-            <a:endParaRPr b="0" lang="en-US" sz="2400" spc="-1" strike="noStrike">
-              <a:solidFill>
-                <a:srgbClr val="000000"/>
-              </a:solidFill>
-              <a:latin typeface="等线"/>
-            </a:endParaRPr>
-          </a:p>
-          <a:p>
-            <a:pPr lvl="1" marL="685800" indent="-228240">
-              <a:lnSpc>
-                <a:spcPct val="90000"/>
-              </a:lnSpc>
-              <a:spcBef>
-                <a:spcPts val="499"/>
-              </a:spcBef>
-              <a:buClr>
-                <a:srgbClr val="000000"/>
-              </a:buClr>
-              <a:buFont typeface="Arial"/>
-              <a:buChar char="•"/>
-            </a:pPr>
-            <a:r>
-              <a:rPr b="0" lang="zh-CN" sz="2400" spc="-1" strike="noStrike">
-                <a:solidFill>
-                  <a:srgbClr val="000000"/>
-                </a:solidFill>
-                <a:latin typeface="等线"/>
-              </a:rPr>
-              <a:t>从头在表中找要查询的</a:t>
-            </a:r>
-            <a:r>
-              <a:rPr b="0" lang="en-US" sz="2400" spc="-1" strike="noStrike">
-                <a:solidFill>
-                  <a:srgbClr val="000000"/>
-                </a:solidFill>
-                <a:latin typeface="等线"/>
-              </a:rPr>
-              <a:t>IP</a:t>
-            </a:r>
-            <a:r>
-              <a:rPr b="0" lang="zh-CN" sz="2400" spc="-1" strike="noStrike">
-                <a:solidFill>
-                  <a:srgbClr val="000000"/>
-                </a:solidFill>
-                <a:latin typeface="等线"/>
-              </a:rPr>
-              <a:t>地址</a:t>
-            </a:r>
-            <a:endParaRPr b="0" lang="en-US" sz="2400" spc="-1" strike="noStrike">
-              <a:solidFill>
-                <a:srgbClr val="000000"/>
-              </a:solidFill>
-              <a:latin typeface="等线"/>
-            </a:endParaRPr>
-          </a:p>
-          <a:p>
-            <a:pPr lvl="2" marL="1143000" indent="-228240">
-              <a:lnSpc>
-                <a:spcPct val="90000"/>
-              </a:lnSpc>
-              <a:spcBef>
-                <a:spcPts val="499"/>
-              </a:spcBef>
-              <a:buClr>
-                <a:srgbClr val="000000"/>
-              </a:buClr>
-              <a:buFont typeface="Arial"/>
-              <a:buChar char="•"/>
-            </a:pPr>
-            <a:r>
-              <a:rPr b="0" lang="zh-CN" sz="2000" spc="-1" strike="noStrike">
-                <a:solidFill>
-                  <a:srgbClr val="000000"/>
-                </a:solidFill>
-                <a:latin typeface="等线"/>
-              </a:rPr>
-              <a:t>如果找到，则将其</a:t>
-            </a:r>
-            <a:r>
-              <a:rPr b="0" lang="en-US" sz="2000" spc="-1" strike="noStrike">
-                <a:solidFill>
-                  <a:srgbClr val="000000"/>
-                </a:solidFill>
-                <a:latin typeface="等线"/>
-              </a:rPr>
-              <a:t>MAC</a:t>
-            </a:r>
-            <a:r>
-              <a:rPr b="0" lang="zh-CN" sz="2000" spc="-1" strike="noStrike">
-                <a:solidFill>
-                  <a:srgbClr val="000000"/>
-                </a:solidFill>
-                <a:latin typeface="等线"/>
-              </a:rPr>
-              <a:t>地址更新</a:t>
-            </a:r>
-            <a:endParaRPr b="0" lang="en-US" sz="2000" spc="-1" strike="noStrike">
-              <a:solidFill>
-                <a:srgbClr val="000000"/>
-              </a:solidFill>
-              <a:latin typeface="等线"/>
-            </a:endParaRPr>
-          </a:p>
-          <a:p>
-            <a:pPr lvl="2" marL="1143000" indent="-228240">
-              <a:lnSpc>
-                <a:spcPct val="90000"/>
-              </a:lnSpc>
-              <a:spcBef>
-                <a:spcPts val="499"/>
-              </a:spcBef>
-              <a:buClr>
-                <a:srgbClr val="000000"/>
-              </a:buClr>
-              <a:buFont typeface="Arial"/>
-              <a:buChar char="•"/>
-            </a:pPr>
-            <a:r>
-              <a:rPr b="0" lang="zh-CN" sz="2000" spc="-1" strike="noStrike">
-                <a:solidFill>
-                  <a:srgbClr val="000000"/>
-                </a:solidFill>
-                <a:latin typeface="等线"/>
-              </a:rPr>
-              <a:t>如果没找到，插入</a:t>
-            </a:r>
-            <a:r>
-              <a:rPr b="0" lang="en-US" sz="2000" spc="-1" strike="noStrike">
-                <a:solidFill>
-                  <a:srgbClr val="000000"/>
-                </a:solidFill>
-                <a:latin typeface="等线"/>
-              </a:rPr>
-              <a:t>&lt;IP</a:t>
-            </a:r>
-            <a:r>
-              <a:rPr b="0" lang="zh-CN" sz="2000" spc="-1" strike="noStrike">
-                <a:solidFill>
-                  <a:srgbClr val="000000"/>
-                </a:solidFill>
-                <a:latin typeface="等线"/>
-              </a:rPr>
-              <a:t>地址</a:t>
-            </a:r>
-            <a:r>
-              <a:rPr b="0" lang="en-US" sz="2000" spc="-1" strike="noStrike">
-                <a:solidFill>
-                  <a:srgbClr val="000000"/>
-                </a:solidFill>
-                <a:latin typeface="等线"/>
-              </a:rPr>
-              <a:t>, MAC</a:t>
-            </a:r>
-            <a:r>
-              <a:rPr b="0" lang="zh-CN" sz="2000" spc="-1" strike="noStrike">
-                <a:solidFill>
-                  <a:srgbClr val="000000"/>
-                </a:solidFill>
-                <a:latin typeface="等线"/>
-              </a:rPr>
-              <a:t>地址</a:t>
-            </a:r>
-            <a:r>
-              <a:rPr b="0" lang="en-US" sz="2000" spc="-1" strike="noStrike">
-                <a:solidFill>
-                  <a:srgbClr val="000000"/>
-                </a:solidFill>
-                <a:latin typeface="等线"/>
-              </a:rPr>
-              <a:t>&gt; Pair</a:t>
-            </a:r>
-            <a:endParaRPr b="0" lang="en-US" sz="2000" spc="-1" strike="noStrike">
-              <a:solidFill>
-                <a:srgbClr val="000000"/>
-              </a:solidFill>
-              <a:latin typeface="等线"/>
-            </a:endParaRPr>
+          <p:cNvPr id="2" name="标题 1"/>
+          <p:cNvSpPr>
+            <a:spLocks noGrp="1"/>
+          </p:cNvSpPr>
+          <p:nvPr>
+            <p:ph type="ctrTitle"/>
+          </p:nvPr>
+        </p:nvSpPr>
+        <p:spPr/>
+        <p:txBody>
+          <a:bodyPr/>
+          <a:lstStyle/>
+          <a:p>
+            <a:r>
+              <a:rPr lang="en-US" altLang="zh-CN" dirty="0" smtClean="0"/>
+              <a:t>Loopback &amp; ARP Protocol</a:t>
+            </a:r>
+            <a:endParaRPr lang="zh-CN" altLang="en-US" dirty="0"/>
+          </a:p>
+        </p:txBody>
+      </p:sp>
+      <p:sp>
+        <p:nvSpPr>
+          <p:cNvPr id="3" name="副标题 2"/>
+          <p:cNvSpPr>
+            <a:spLocks noGrp="1"/>
+          </p:cNvSpPr>
+          <p:nvPr>
+            <p:ph type="subTitle" idx="1"/>
+          </p:nvPr>
+        </p:nvSpPr>
+        <p:spPr/>
+        <p:txBody>
+          <a:bodyPr/>
+          <a:lstStyle/>
+          <a:p>
+            <a:r>
+              <a:rPr lang="zh-CN" altLang="en-US" dirty="0"/>
+              <a:t>计网联合</a:t>
+            </a:r>
+            <a:r>
+              <a:rPr lang="zh-CN" altLang="en-US" dirty="0" smtClean="0"/>
+              <a:t>实验第四组</a:t>
+            </a:r>
+            <a:endParaRPr lang="en-US" altLang="zh-CN" dirty="0" smtClean="0"/>
+          </a:p>
+          <a:p>
+            <a:r>
+              <a:rPr lang="zh-CN" altLang="en-US" dirty="0"/>
+              <a:t>肖光</a:t>
+            </a:r>
+            <a:r>
+              <a:rPr lang="zh-CN" altLang="en-US" dirty="0" smtClean="0"/>
+              <a:t>烜 吕天 张紫昭</a:t>
+            </a:r>
+            <a:endParaRPr lang="zh-CN" altLang="en-US" dirty="0"/>
           </a:p>
         </p:txBody>
       </p:sp>
     </p:spTree>
+    <p:extLst>
+      <p:ext uri="{BB962C8B-B14F-4D97-AF65-F5344CB8AC3E}">
+        <p14:creationId xmlns:p14="http://schemas.microsoft.com/office/powerpoint/2010/main" val="2008800347"/>
+      </p:ext>
+    </p:extLst>
   </p:cSld>
-  <mc:AlternateContent>
-    <mc:Choice Requires="p14">
-      <p:transition spd="slow" p14:dur="2000"/>
-    </mc:Choice>
-    <mc:Fallback>
-      <p:transition spd="slow"/>
-    </mc:Fallback>
-  </mc:AlternateContent>
+  <p:clrMapOvr>
+    <a:masterClrMapping/>
+  </p:clrMapOvr>
 </p:sld>
 </file>
 
 <file path=ppt/slides/slide2.xml><?xml version="1.0" encoding="utf-8"?>
-<p:sld xmlns:a="http://schemas.openxmlformats.org/drawingml/2006/main" xmlns:p="http://schemas.openxmlformats.org/presentationml/2006/main" xmlns:r="http://schemas.openxmlformats.org/officeDocument/2006/relationships" xmlns:p14="http://schemas.microsoft.com/office/powerpoint/2010/main" xmlns:p15="http://schemas.microsoft.com/office/powerpoint/2012/main" xmlns:mc="http://schemas.openxmlformats.org/markup-compatibility/2006">
+<p:sld xmlns:a="http://schemas.openxmlformats.org/drawingml/2006/main" xmlns:r="http://schemas.openxmlformats.org/officeDocument/2006/relationships" xmlns:p="http://schemas.openxmlformats.org/presentationml/2006/main">
   <p:cSld>
     <p:spTree>
       <p:nvGrpSpPr>
@@ -2438,13 +2579,13 @@
       </p:grpSpPr>
       <p:sp>
         <p:nvSpPr>
-          <p:cNvPr id="43" name="TextShape 1"/>
+          <p:cNvPr id="41" name="TextShape 1"/>
           <p:cNvSpPr txBox="1"/>
           <p:nvPr/>
         </p:nvSpPr>
         <p:spPr>
           <a:xfrm>
-            <a:off x="838080" y="0"/>
+            <a:off x="838080" y="365040"/>
             <a:ext cx="10515240" cy="1325160"/>
           </a:xfrm>
           <a:prstGeom prst="rect">
@@ -2457,8 +2598,9 @@
         </p:spPr>
         <p:txBody>
           <a:bodyPr anchor="ctr">
-            <a:normAutofit/>
-          </a:bodyPr>
+            <a:noAutofit/>
+          </a:bodyPr>
+          <a:lstStyle/>
           <a:p>
             <a:pPr>
               <a:lnSpc>
@@ -2466,7 +2608,7 @@
               </a:lnSpc>
             </a:pPr>
             <a:r>
-              <a:rPr b="0" lang="en-US" sz="3600" spc="-1" strike="noStrike">
+              <a:rPr lang="en-US" sz="4400" b="0" strike="noStrike" spc="-1">
                 <a:solidFill>
                   <a:srgbClr val="000000"/>
                 </a:solidFill>
@@ -2475,26 +2617,26 @@
               <a:t>ARP </a:t>
             </a:r>
             <a:r>
-              <a:rPr b="0" lang="zh-CN" sz="3600" spc="-1" strike="noStrike">
+              <a:rPr lang="zh-CN" sz="4400" b="0" strike="noStrike" spc="-1">
                 <a:solidFill>
                   <a:srgbClr val="000000"/>
                 </a:solidFill>
                 <a:latin typeface="等线 Light"/>
               </a:rPr>
-              <a:t>缓存表 仿真测试</a:t>
-            </a:r>
-            <a:endParaRPr b="0" lang="en-US" sz="3600" spc="-1" strike="noStrike">
-              <a:solidFill>
-                <a:srgbClr val="000000"/>
-              </a:solidFill>
-              <a:latin typeface="等线"/>
-            </a:endParaRPr>
-          </a:p>
-        </p:txBody>
-      </p:sp>
-      <p:sp>
-        <p:nvSpPr>
-          <p:cNvPr id="44" name="TextShape 2"/>
+              <a:t>缓存表</a:t>
+            </a:r>
+            <a:endParaRPr lang="en-US" sz="4400" b="0" strike="noStrike" spc="-1">
+              <a:solidFill>
+                <a:srgbClr val="000000"/>
+              </a:solidFill>
+              <a:latin typeface="等线"/>
+            </a:endParaRPr>
+          </a:p>
+        </p:txBody>
+      </p:sp>
+      <p:sp>
+        <p:nvSpPr>
+          <p:cNvPr id="42" name="TextShape 2"/>
           <p:cNvSpPr txBox="1"/>
           <p:nvPr/>
         </p:nvSpPr>
@@ -2515,46 +2657,493 @@
           <a:bodyPr>
             <a:noAutofit/>
           </a:bodyPr>
-          <a:p>
-            <a:endParaRPr b="0" lang="en-US" sz="2800" spc="-1" strike="noStrike">
-              <a:solidFill>
-                <a:srgbClr val="000000"/>
-              </a:solidFill>
-              <a:latin typeface="等线"/>
-            </a:endParaRPr>
-          </a:p>
-        </p:txBody>
-      </p:sp>
-      <p:pic>
-        <p:nvPicPr>
-          <p:cNvPr id="45" name="图片 3" descr=""/>
-          <p:cNvPicPr/>
-          <p:nvPr/>
-        </p:nvPicPr>
-        <p:blipFill>
-          <a:blip r:embed="rId1"/>
-          <a:stretch/>
-        </p:blipFill>
-        <p:spPr>
-          <a:xfrm>
-            <a:off x="537480" y="1204560"/>
-            <a:ext cx="11320200" cy="5432040"/>
-          </a:xfrm>
-          <a:prstGeom prst="rect">
-            <a:avLst/>
-          </a:prstGeom>
-          <a:ln>
-            <a:noFill/>
-          </a:ln>
-        </p:spPr>
-      </p:pic>
+          <a:lstStyle/>
+          <a:p>
+            <a:pPr marL="228600" indent="-228240">
+              <a:lnSpc>
+                <a:spcPct val="90000"/>
+              </a:lnSpc>
+              <a:spcBef>
+                <a:spcPts val="1001"/>
+              </a:spcBef>
+              <a:buClr>
+                <a:srgbClr val="000000"/>
+              </a:buClr>
+              <a:buFont typeface="Arial"/>
+              <a:buChar char="•"/>
+            </a:pPr>
+            <a:r>
+              <a:rPr lang="zh-CN" sz="2800" b="0" strike="noStrike" spc="-1">
+                <a:solidFill>
+                  <a:srgbClr val="000000"/>
+                </a:solidFill>
+                <a:latin typeface="等线"/>
+              </a:rPr>
+              <a:t>查询模式（</a:t>
+            </a:r>
+            <a:r>
+              <a:rPr lang="en-US" sz="2800" b="0" strike="noStrike" spc="-1">
+                <a:solidFill>
+                  <a:srgbClr val="000000"/>
+                </a:solidFill>
+                <a:latin typeface="等线"/>
+              </a:rPr>
+              <a:t>r_en</a:t>
+            </a:r>
+            <a:r>
+              <a:rPr lang="zh-CN" sz="2800" b="0" strike="noStrike" spc="-1">
+                <a:solidFill>
+                  <a:srgbClr val="000000"/>
+                </a:solidFill>
+                <a:latin typeface="等线"/>
+              </a:rPr>
+              <a:t>为高电平）</a:t>
+            </a:r>
+            <a:endParaRPr lang="en-US" sz="2800" b="0" strike="noStrike" spc="-1">
+              <a:solidFill>
+                <a:srgbClr val="000000"/>
+              </a:solidFill>
+              <a:latin typeface="等线"/>
+            </a:endParaRPr>
+          </a:p>
+          <a:p>
+            <a:pPr marL="685800" lvl="1" indent="-228240">
+              <a:lnSpc>
+                <a:spcPct val="90000"/>
+              </a:lnSpc>
+              <a:spcBef>
+                <a:spcPts val="499"/>
+              </a:spcBef>
+              <a:buClr>
+                <a:srgbClr val="000000"/>
+              </a:buClr>
+              <a:buFont typeface="Arial"/>
+              <a:buChar char="•"/>
+            </a:pPr>
+            <a:r>
+              <a:rPr lang="zh-CN" sz="2400" b="0" strike="noStrike" spc="-1">
+                <a:solidFill>
+                  <a:srgbClr val="000000"/>
+                </a:solidFill>
+                <a:latin typeface="等线"/>
+              </a:rPr>
+              <a:t>输入：</a:t>
+            </a:r>
+            <a:r>
+              <a:rPr lang="en-US" sz="2400" b="0" strike="noStrike" spc="-1">
+                <a:solidFill>
+                  <a:srgbClr val="000000"/>
+                </a:solidFill>
+                <a:latin typeface="等线"/>
+              </a:rPr>
+              <a:t>IP</a:t>
+            </a:r>
+            <a:r>
+              <a:rPr lang="zh-CN" sz="2400" b="0" strike="noStrike" spc="-1">
+                <a:solidFill>
+                  <a:srgbClr val="000000"/>
+                </a:solidFill>
+                <a:latin typeface="等线"/>
+              </a:rPr>
+              <a:t>地址</a:t>
+            </a:r>
+            <a:endParaRPr lang="en-US" sz="2400" b="0" strike="noStrike" spc="-1">
+              <a:solidFill>
+                <a:srgbClr val="000000"/>
+              </a:solidFill>
+              <a:latin typeface="等线"/>
+            </a:endParaRPr>
+          </a:p>
+          <a:p>
+            <a:pPr marL="685800" lvl="1" indent="-228240">
+              <a:lnSpc>
+                <a:spcPct val="90000"/>
+              </a:lnSpc>
+              <a:spcBef>
+                <a:spcPts val="499"/>
+              </a:spcBef>
+              <a:buClr>
+                <a:srgbClr val="000000"/>
+              </a:buClr>
+              <a:buFont typeface="Arial"/>
+              <a:buChar char="•"/>
+            </a:pPr>
+            <a:r>
+              <a:rPr lang="zh-CN" sz="2400" b="0" strike="noStrike" spc="-1">
+                <a:solidFill>
+                  <a:srgbClr val="000000"/>
+                </a:solidFill>
+                <a:latin typeface="等线"/>
+              </a:rPr>
+              <a:t>输出：表里的</a:t>
+            </a:r>
+            <a:r>
+              <a:rPr lang="en-US" sz="2400" b="0" strike="noStrike" spc="-1">
+                <a:solidFill>
+                  <a:srgbClr val="000000"/>
+                </a:solidFill>
+                <a:latin typeface="等线"/>
+              </a:rPr>
+              <a:t>MAC</a:t>
+            </a:r>
+            <a:r>
+              <a:rPr lang="zh-CN" sz="2400" b="0" strike="noStrike" spc="-1">
+                <a:solidFill>
+                  <a:srgbClr val="000000"/>
+                </a:solidFill>
+                <a:latin typeface="等线"/>
+              </a:rPr>
+              <a:t>地址（没找到输出全</a:t>
+            </a:r>
+            <a:r>
+              <a:rPr lang="en-US" sz="2400" b="0" strike="noStrike" spc="-1">
+                <a:solidFill>
+                  <a:srgbClr val="000000"/>
+                </a:solidFill>
+                <a:latin typeface="等线"/>
+              </a:rPr>
+              <a:t>0</a:t>
+            </a:r>
+            <a:r>
+              <a:rPr lang="zh-CN" sz="2400" b="0" strike="noStrike" spc="-1">
+                <a:solidFill>
+                  <a:srgbClr val="000000"/>
+                </a:solidFill>
+                <a:latin typeface="等线"/>
+              </a:rPr>
+              <a:t>）</a:t>
+            </a:r>
+            <a:endParaRPr lang="en-US" sz="2400" b="0" strike="noStrike" spc="-1">
+              <a:solidFill>
+                <a:srgbClr val="000000"/>
+              </a:solidFill>
+              <a:latin typeface="等线"/>
+            </a:endParaRPr>
+          </a:p>
+          <a:p>
+            <a:pPr marL="228600" indent="-228240">
+              <a:lnSpc>
+                <a:spcPct val="90000"/>
+              </a:lnSpc>
+              <a:spcBef>
+                <a:spcPts val="1001"/>
+              </a:spcBef>
+              <a:buClr>
+                <a:srgbClr val="000000"/>
+              </a:buClr>
+              <a:buFont typeface="Arial"/>
+              <a:buChar char="•"/>
+            </a:pPr>
+            <a:r>
+              <a:rPr lang="zh-CN" sz="2800" b="0" strike="noStrike" spc="-1">
+                <a:solidFill>
+                  <a:srgbClr val="000000"/>
+                </a:solidFill>
+                <a:latin typeface="等线"/>
+              </a:rPr>
+              <a:t>写入模式（</a:t>
+            </a:r>
+            <a:r>
+              <a:rPr lang="en-US" sz="2800" b="0" strike="noStrike" spc="-1">
+                <a:solidFill>
+                  <a:srgbClr val="000000"/>
+                </a:solidFill>
+                <a:latin typeface="等线"/>
+              </a:rPr>
+              <a:t>w_en</a:t>
+            </a:r>
+            <a:r>
+              <a:rPr lang="zh-CN" sz="2800" b="0" strike="noStrike" spc="-1">
+                <a:solidFill>
+                  <a:srgbClr val="000000"/>
+                </a:solidFill>
+                <a:latin typeface="等线"/>
+              </a:rPr>
+              <a:t>为高电平）</a:t>
+            </a:r>
+            <a:endParaRPr lang="en-US" sz="2800" b="0" strike="noStrike" spc="-1">
+              <a:solidFill>
+                <a:srgbClr val="000000"/>
+              </a:solidFill>
+              <a:latin typeface="等线"/>
+            </a:endParaRPr>
+          </a:p>
+          <a:p>
+            <a:pPr marL="685800" lvl="1" indent="-228240">
+              <a:lnSpc>
+                <a:spcPct val="90000"/>
+              </a:lnSpc>
+              <a:spcBef>
+                <a:spcPts val="499"/>
+              </a:spcBef>
+              <a:buClr>
+                <a:srgbClr val="000000"/>
+              </a:buClr>
+              <a:buFont typeface="Arial"/>
+              <a:buChar char="•"/>
+            </a:pPr>
+            <a:r>
+              <a:rPr lang="zh-CN" sz="2400" b="0" strike="noStrike" spc="-1">
+                <a:solidFill>
+                  <a:srgbClr val="000000"/>
+                </a:solidFill>
+                <a:latin typeface="等线"/>
+              </a:rPr>
+              <a:t>输入：</a:t>
+            </a:r>
+            <a:r>
+              <a:rPr lang="en-US" sz="2400" b="0" strike="noStrike" spc="-1">
+                <a:solidFill>
+                  <a:srgbClr val="000000"/>
+                </a:solidFill>
+                <a:latin typeface="等线"/>
+              </a:rPr>
+              <a:t>&lt;IP</a:t>
+            </a:r>
+            <a:r>
+              <a:rPr lang="zh-CN" sz="2400" b="0" strike="noStrike" spc="-1">
+                <a:solidFill>
+                  <a:srgbClr val="000000"/>
+                </a:solidFill>
+                <a:latin typeface="等线"/>
+              </a:rPr>
+              <a:t>地址</a:t>
+            </a:r>
+            <a:r>
+              <a:rPr lang="en-US" sz="2400" b="0" strike="noStrike" spc="-1">
+                <a:solidFill>
+                  <a:srgbClr val="000000"/>
+                </a:solidFill>
+                <a:latin typeface="等线"/>
+              </a:rPr>
+              <a:t>, MAC</a:t>
+            </a:r>
+            <a:r>
+              <a:rPr lang="zh-CN" sz="2400" b="0" strike="noStrike" spc="-1">
+                <a:solidFill>
+                  <a:srgbClr val="000000"/>
+                </a:solidFill>
+                <a:latin typeface="等线"/>
+              </a:rPr>
+              <a:t>地址</a:t>
+            </a:r>
+            <a:r>
+              <a:rPr lang="en-US" sz="2400" b="0" strike="noStrike" spc="-1">
+                <a:solidFill>
+                  <a:srgbClr val="000000"/>
+                </a:solidFill>
+                <a:latin typeface="等线"/>
+              </a:rPr>
+              <a:t>&gt; Pair</a:t>
+            </a:r>
+          </a:p>
+          <a:p>
+            <a:pPr marL="685800" lvl="1" indent="-228240">
+              <a:lnSpc>
+                <a:spcPct val="90000"/>
+              </a:lnSpc>
+              <a:spcBef>
+                <a:spcPts val="499"/>
+              </a:spcBef>
+              <a:buClr>
+                <a:srgbClr val="000000"/>
+              </a:buClr>
+              <a:buFont typeface="Arial"/>
+              <a:buChar char="•"/>
+            </a:pPr>
+            <a:r>
+              <a:rPr lang="zh-CN" sz="2400" b="0" strike="noStrike" spc="-1">
+                <a:solidFill>
+                  <a:srgbClr val="000000"/>
+                </a:solidFill>
+                <a:latin typeface="等线"/>
+              </a:rPr>
+              <a:t>输出：无</a:t>
+            </a:r>
+            <a:endParaRPr lang="en-US" sz="2400" b="0" strike="noStrike" spc="-1">
+              <a:solidFill>
+                <a:srgbClr val="000000"/>
+              </a:solidFill>
+              <a:latin typeface="等线"/>
+            </a:endParaRPr>
+          </a:p>
+          <a:p>
+            <a:pPr marL="685800" lvl="1" indent="-228240">
+              <a:lnSpc>
+                <a:spcPct val="90000"/>
+              </a:lnSpc>
+              <a:spcBef>
+                <a:spcPts val="499"/>
+              </a:spcBef>
+              <a:buClr>
+                <a:srgbClr val="000000"/>
+              </a:buClr>
+              <a:buFont typeface="Arial"/>
+              <a:buChar char="•"/>
+            </a:pPr>
+            <a:r>
+              <a:rPr lang="zh-CN" sz="2400" b="0" strike="noStrike" spc="-1">
+                <a:solidFill>
+                  <a:srgbClr val="000000"/>
+                </a:solidFill>
+                <a:latin typeface="等线"/>
+              </a:rPr>
+              <a:t>从头在表中找要查询的</a:t>
+            </a:r>
+            <a:r>
+              <a:rPr lang="en-US" sz="2400" b="0" strike="noStrike" spc="-1">
+                <a:solidFill>
+                  <a:srgbClr val="000000"/>
+                </a:solidFill>
+                <a:latin typeface="等线"/>
+              </a:rPr>
+              <a:t>IP</a:t>
+            </a:r>
+            <a:r>
+              <a:rPr lang="zh-CN" sz="2400" b="0" strike="noStrike" spc="-1">
+                <a:solidFill>
+                  <a:srgbClr val="000000"/>
+                </a:solidFill>
+                <a:latin typeface="等线"/>
+              </a:rPr>
+              <a:t>地址</a:t>
+            </a:r>
+            <a:endParaRPr lang="en-US" sz="2400" b="0" strike="noStrike" spc="-1">
+              <a:solidFill>
+                <a:srgbClr val="000000"/>
+              </a:solidFill>
+              <a:latin typeface="等线"/>
+            </a:endParaRPr>
+          </a:p>
+          <a:p>
+            <a:pPr marL="1143000" lvl="2" indent="-228240">
+              <a:lnSpc>
+                <a:spcPct val="90000"/>
+              </a:lnSpc>
+              <a:spcBef>
+                <a:spcPts val="499"/>
+              </a:spcBef>
+              <a:buClr>
+                <a:srgbClr val="000000"/>
+              </a:buClr>
+              <a:buFont typeface="Arial"/>
+              <a:buChar char="•"/>
+            </a:pPr>
+            <a:r>
+              <a:rPr lang="zh-CN" sz="2000" b="0" strike="noStrike" spc="-1">
+                <a:solidFill>
+                  <a:srgbClr val="000000"/>
+                </a:solidFill>
+                <a:latin typeface="等线"/>
+              </a:rPr>
+              <a:t>如果找到，则将其</a:t>
+            </a:r>
+            <a:r>
+              <a:rPr lang="en-US" sz="2000" b="0" strike="noStrike" spc="-1">
+                <a:solidFill>
+                  <a:srgbClr val="000000"/>
+                </a:solidFill>
+                <a:latin typeface="等线"/>
+              </a:rPr>
+              <a:t>MAC</a:t>
+            </a:r>
+            <a:r>
+              <a:rPr lang="zh-CN" sz="2000" b="0" strike="noStrike" spc="-1">
+                <a:solidFill>
+                  <a:srgbClr val="000000"/>
+                </a:solidFill>
+                <a:latin typeface="等线"/>
+              </a:rPr>
+              <a:t>地址更新</a:t>
+            </a:r>
+            <a:endParaRPr lang="en-US" sz="2000" b="0" strike="noStrike" spc="-1">
+              <a:solidFill>
+                <a:srgbClr val="000000"/>
+              </a:solidFill>
+              <a:latin typeface="等线"/>
+            </a:endParaRPr>
+          </a:p>
+          <a:p>
+            <a:pPr marL="1143000" lvl="2" indent="-228240">
+              <a:lnSpc>
+                <a:spcPct val="90000"/>
+              </a:lnSpc>
+              <a:spcBef>
+                <a:spcPts val="499"/>
+              </a:spcBef>
+              <a:buClr>
+                <a:srgbClr val="000000"/>
+              </a:buClr>
+              <a:buFont typeface="Arial"/>
+              <a:buChar char="•"/>
+            </a:pPr>
+            <a:r>
+              <a:rPr lang="zh-CN" sz="2000" b="0" strike="noStrike" spc="-1">
+                <a:solidFill>
+                  <a:srgbClr val="000000"/>
+                </a:solidFill>
+                <a:latin typeface="等线"/>
+              </a:rPr>
+              <a:t>如果没找到，插入</a:t>
+            </a:r>
+            <a:r>
+              <a:rPr lang="en-US" sz="2000" b="0" strike="noStrike" spc="-1">
+                <a:solidFill>
+                  <a:srgbClr val="000000"/>
+                </a:solidFill>
+                <a:latin typeface="等线"/>
+              </a:rPr>
+              <a:t>&lt;IP</a:t>
+            </a:r>
+            <a:r>
+              <a:rPr lang="zh-CN" sz="2000" b="0" strike="noStrike" spc="-1">
+                <a:solidFill>
+                  <a:srgbClr val="000000"/>
+                </a:solidFill>
+                <a:latin typeface="等线"/>
+              </a:rPr>
+              <a:t>地址</a:t>
+            </a:r>
+            <a:r>
+              <a:rPr lang="en-US" sz="2000" b="0" strike="noStrike" spc="-1">
+                <a:solidFill>
+                  <a:srgbClr val="000000"/>
+                </a:solidFill>
+                <a:latin typeface="等线"/>
+              </a:rPr>
+              <a:t>, MAC</a:t>
+            </a:r>
+            <a:r>
+              <a:rPr lang="zh-CN" sz="2000" b="0" strike="noStrike" spc="-1">
+                <a:solidFill>
+                  <a:srgbClr val="000000"/>
+                </a:solidFill>
+                <a:latin typeface="等线"/>
+              </a:rPr>
+              <a:t>地址</a:t>
+            </a:r>
+            <a:r>
+              <a:rPr lang="en-US" sz="2000" b="0" strike="noStrike" spc="-1">
+                <a:solidFill>
+                  <a:srgbClr val="000000"/>
+                </a:solidFill>
+                <a:latin typeface="等线"/>
+              </a:rPr>
+              <a:t>&gt; Pair</a:t>
+            </a:r>
+          </a:p>
+        </p:txBody>
+      </p:sp>
     </p:spTree>
   </p:cSld>
-  <mc:AlternateContent>
+  <p:clrMapOvr>
+    <a:masterClrMapping/>
+  </p:clrMapOvr>
+  <mc:AlternateContent xmlns:mc="http://schemas.openxmlformats.org/markup-compatibility/2006" xmlns:p14="http://schemas.microsoft.com/office/powerpoint/2010/main">
     <mc:Choice Requires="p14">
       <p:transition spd="slow" p14:dur="2000"/>
     </mc:Choice>
-    <mc:Fallback>
+    <mc:Fallback xmlns:p15="http://schemas.microsoft.com/office/powerpoint/2012/main" xmlns="">
       <p:transition spd="slow"/>
     </mc:Fallback>
   </mc:AlternateContent>
@@ -2562,7 +3151,7 @@
 </file>
 
 <file path=ppt/slides/slide3.xml><?xml version="1.0" encoding="utf-8"?>
-<p:sld xmlns:a="http://schemas.openxmlformats.org/drawingml/2006/main" xmlns:p="http://schemas.openxmlformats.org/presentationml/2006/main" xmlns:r="http://schemas.openxmlformats.org/officeDocument/2006/relationships" xmlns:p14="http://schemas.microsoft.com/office/powerpoint/2010/main" xmlns:p15="http://schemas.microsoft.com/office/powerpoint/2012/main" xmlns:mc="http://schemas.openxmlformats.org/markup-compatibility/2006">
+<p:sld xmlns:a="http://schemas.openxmlformats.org/drawingml/2006/main" xmlns:r="http://schemas.openxmlformats.org/officeDocument/2006/relationships" xmlns:p="http://schemas.openxmlformats.org/presentationml/2006/main">
   <p:cSld>
     <p:spTree>
       <p:nvGrpSpPr>
@@ -2580,13 +3169,13 @@
       </p:grpSpPr>
       <p:sp>
         <p:nvSpPr>
-          <p:cNvPr id="46" name="TextShape 1"/>
+          <p:cNvPr id="43" name="TextShape 1"/>
           <p:cNvSpPr txBox="1"/>
           <p:nvPr/>
         </p:nvSpPr>
         <p:spPr>
           <a:xfrm>
-            <a:off x="838080" y="365040"/>
+            <a:off x="838080" y="0"/>
             <a:ext cx="10515240" cy="1325160"/>
           </a:xfrm>
           <a:prstGeom prst="rect">
@@ -2599,8 +3188,9 @@
         </p:spPr>
         <p:txBody>
           <a:bodyPr anchor="ctr">
-            <a:noAutofit/>
-          </a:bodyPr>
+            <a:normAutofit/>
+          </a:bodyPr>
+          <a:lstStyle/>
           <a:p>
             <a:pPr>
               <a:lnSpc>
@@ -2608,44 +3198,35 @@
               </a:lnSpc>
             </a:pPr>
             <a:r>
-              <a:rPr b="0" lang="en-US" sz="4400" spc="-1" strike="noStrike">
+              <a:rPr lang="en-US" sz="3600" b="0" strike="noStrike" spc="-1">
                 <a:solidFill>
                   <a:srgbClr val="000000"/>
                 </a:solidFill>
                 <a:latin typeface="等线 Light"/>
               </a:rPr>
-              <a:t>ARP</a:t>
-            </a:r>
-            <a:r>
-              <a:rPr b="0" lang="en-US" sz="4400" spc="-1" strike="noStrike">
+              <a:t>ARP </a:t>
+            </a:r>
+            <a:r>
+              <a:rPr lang="zh-CN" sz="3600" b="0" strike="noStrike" spc="-1">
                 <a:solidFill>
                   <a:srgbClr val="000000"/>
                 </a:solidFill>
                 <a:latin typeface="等线 Light"/>
               </a:rPr>
-              <a:t> </a:t>
-            </a:r>
-            <a:r>
-              <a:rPr b="0" lang="zh-CN" sz="4400" spc="-1" strike="noStrike">
-                <a:solidFill>
-                  <a:srgbClr val="000000"/>
-                </a:solidFill>
-                <a:latin typeface="等线 Light"/>
-              </a:rPr>
-              <a:t>协议流程</a:t>
-            </a:r>
-            <a:endParaRPr b="0" lang="en-US" sz="4400" spc="-1" strike="noStrike">
-              <a:solidFill>
-                <a:srgbClr val="000000"/>
-              </a:solidFill>
-              <a:latin typeface="等线"/>
-            </a:endParaRPr>
-          </a:p>
-        </p:txBody>
-      </p:sp>
-      <p:sp>
-        <p:nvSpPr>
-          <p:cNvPr id="47" name="TextShape 2"/>
+              <a:t>缓存表 仿真测试</a:t>
+            </a:r>
+            <a:endParaRPr lang="en-US" sz="3600" b="0" strike="noStrike" spc="-1">
+              <a:solidFill>
+                <a:srgbClr val="000000"/>
+              </a:solidFill>
+              <a:latin typeface="等线"/>
+            </a:endParaRPr>
+          </a:p>
+        </p:txBody>
+      </p:sp>
+      <p:sp>
+        <p:nvSpPr>
+          <p:cNvPr id="44" name="TextShape 2"/>
           <p:cNvSpPr txBox="1"/>
           <p:nvPr/>
         </p:nvSpPr>
@@ -2666,311 +3247,50 @@
           <a:bodyPr>
             <a:noAutofit/>
           </a:bodyPr>
-          <a:p>
-            <a:pPr>
-              <a:lnSpc>
-                <a:spcPct val="90000"/>
-              </a:lnSpc>
-              <a:spcBef>
-                <a:spcPts val="1001"/>
-              </a:spcBef>
-              <a:tabLst>
-                <a:tab algn="l" pos="0"/>
-              </a:tabLst>
-            </a:pPr>
-            <a:r>
-              <a:rPr b="0" lang="zh-CN" sz="2800" spc="-1" strike="noStrike">
-                <a:solidFill>
-                  <a:srgbClr val="000000"/>
-                </a:solidFill>
-                <a:latin typeface="等线"/>
-              </a:rPr>
-              <a:t>基于</a:t>
-            </a:r>
-            <a:r>
-              <a:rPr b="0" lang="en-US" sz="2800" spc="-1" strike="noStrike">
-                <a:solidFill>
-                  <a:srgbClr val="000000"/>
-                </a:solidFill>
-                <a:latin typeface="等线"/>
-              </a:rPr>
-              <a:t>useless</a:t>
-            </a:r>
-            <a:r>
-              <a:rPr b="0" lang="zh-CN" sz="2800" spc="-1" strike="noStrike">
-                <a:solidFill>
-                  <a:srgbClr val="000000"/>
-                </a:solidFill>
-                <a:latin typeface="等线"/>
-              </a:rPr>
-              <a:t>，完成了多周期</a:t>
-            </a:r>
-            <a:r>
-              <a:rPr b="0" lang="en-US" sz="2800" spc="-1" strike="noStrike">
-                <a:solidFill>
-                  <a:srgbClr val="000000"/>
-                </a:solidFill>
-                <a:latin typeface="等线"/>
-              </a:rPr>
-              <a:t>ARP</a:t>
-            </a:r>
-            <a:r>
-              <a:rPr b="0" lang="zh-CN" sz="2800" spc="-1" strike="noStrike">
-                <a:solidFill>
-                  <a:srgbClr val="000000"/>
-                </a:solidFill>
-                <a:latin typeface="等线"/>
-              </a:rPr>
-              <a:t>协议的转发功能。</a:t>
-            </a:r>
-            <a:endParaRPr b="0" lang="en-US" sz="2800" spc="-1" strike="noStrike">
-              <a:solidFill>
-                <a:srgbClr val="000000"/>
-              </a:solidFill>
-              <a:latin typeface="等线"/>
-            </a:endParaRPr>
-          </a:p>
-          <a:p>
-            <a:pPr>
-              <a:lnSpc>
-                <a:spcPct val="90000"/>
-              </a:lnSpc>
-              <a:spcBef>
-                <a:spcPts val="1001"/>
-              </a:spcBef>
-              <a:tabLst>
-                <a:tab algn="l" pos="0"/>
-              </a:tabLst>
-            </a:pPr>
-            <a:endParaRPr b="0" lang="en-US" sz="2800" spc="-1" strike="noStrike">
-              <a:solidFill>
-                <a:srgbClr val="000000"/>
-              </a:solidFill>
-              <a:latin typeface="等线"/>
-            </a:endParaRPr>
-          </a:p>
-          <a:p>
-            <a:pPr>
-              <a:lnSpc>
-                <a:spcPct val="90000"/>
-              </a:lnSpc>
-              <a:spcBef>
-                <a:spcPts val="1001"/>
-              </a:spcBef>
-              <a:tabLst>
-                <a:tab algn="l" pos="0"/>
-              </a:tabLst>
-            </a:pPr>
-            <a:endParaRPr b="0" lang="en-US" sz="2800" spc="-1" strike="noStrike">
-              <a:solidFill>
-                <a:srgbClr val="000000"/>
-              </a:solidFill>
-              <a:latin typeface="等线"/>
-            </a:endParaRPr>
-          </a:p>
-          <a:p>
-            <a:pPr>
-              <a:lnSpc>
-                <a:spcPct val="90000"/>
-              </a:lnSpc>
-              <a:spcBef>
-                <a:spcPts val="1001"/>
-              </a:spcBef>
-              <a:tabLst>
-                <a:tab algn="l" pos="0"/>
-              </a:tabLst>
-            </a:pPr>
-            <a:r>
-              <a:rPr b="0" lang="zh-CN" sz="2800" spc="-1" strike="noStrike">
-                <a:solidFill>
-                  <a:srgbClr val="000000"/>
-                </a:solidFill>
-                <a:latin typeface="等线"/>
-              </a:rPr>
-              <a:t>交换以太帧的</a:t>
-            </a:r>
-            <a:r>
-              <a:rPr b="0" lang="en-US" sz="2800" spc="-1" strike="noStrike">
-                <a:solidFill>
-                  <a:srgbClr val="000000"/>
-                </a:solidFill>
-                <a:latin typeface="等线"/>
-              </a:rPr>
-              <a:t>MAC</a:t>
-            </a:r>
-            <a:r>
-              <a:rPr b="0" lang="zh-CN" sz="2800" spc="-1" strike="noStrike">
-                <a:solidFill>
-                  <a:srgbClr val="000000"/>
-                </a:solidFill>
-                <a:latin typeface="等线"/>
-              </a:rPr>
-              <a:t>地址 </a:t>
-            </a:r>
-            <a:r>
-              <a:rPr b="0" lang="en-US" sz="2800" spc="-1" strike="noStrike">
-                <a:solidFill>
-                  <a:srgbClr val="000000"/>
-                </a:solidFill>
-                <a:latin typeface="等线"/>
-              </a:rPr>
-              <a:t>=&gt;</a:t>
-            </a:r>
-            <a:endParaRPr b="0" lang="en-US" sz="2800" spc="-1" strike="noStrike">
-              <a:solidFill>
-                <a:srgbClr val="000000"/>
-              </a:solidFill>
-              <a:latin typeface="等线"/>
-            </a:endParaRPr>
-          </a:p>
-          <a:p>
-            <a:pPr>
-              <a:lnSpc>
-                <a:spcPct val="90000"/>
-              </a:lnSpc>
-              <a:spcBef>
-                <a:spcPts val="1001"/>
-              </a:spcBef>
-              <a:tabLst>
-                <a:tab algn="l" pos="0"/>
-              </a:tabLst>
-            </a:pPr>
-            <a:r>
-              <a:rPr b="0" lang="zh-CN" sz="2800" spc="-1" strike="noStrike">
-                <a:solidFill>
-                  <a:srgbClr val="000000"/>
-                </a:solidFill>
-                <a:latin typeface="等线"/>
-              </a:rPr>
-              <a:t>判断协议类型 </a:t>
-            </a:r>
-            <a:r>
-              <a:rPr b="0" lang="en-US" sz="2800" spc="-1" strike="noStrike">
-                <a:solidFill>
-                  <a:srgbClr val="000000"/>
-                </a:solidFill>
-                <a:latin typeface="等线"/>
-              </a:rPr>
-              <a:t>=&gt;</a:t>
-            </a:r>
-            <a:endParaRPr b="0" lang="en-US" sz="2800" spc="-1" strike="noStrike">
-              <a:solidFill>
-                <a:srgbClr val="000000"/>
-              </a:solidFill>
-              <a:latin typeface="等线"/>
-            </a:endParaRPr>
-          </a:p>
-          <a:p>
-            <a:pPr>
-              <a:lnSpc>
-                <a:spcPct val="90000"/>
-              </a:lnSpc>
-              <a:spcBef>
-                <a:spcPts val="1001"/>
-              </a:spcBef>
-              <a:tabLst>
-                <a:tab algn="l" pos="0"/>
-              </a:tabLst>
-            </a:pPr>
-            <a:r>
-              <a:rPr b="0" lang="zh-CN" sz="2800" spc="-1" strike="noStrike">
-                <a:solidFill>
-                  <a:srgbClr val="000000"/>
-                </a:solidFill>
-                <a:latin typeface="等线"/>
-              </a:rPr>
-              <a:t>取出当前的操作码 </a:t>
-            </a:r>
-            <a:r>
-              <a:rPr b="0" lang="en-US" sz="2800" spc="-1" strike="noStrike">
-                <a:solidFill>
-                  <a:srgbClr val="000000"/>
-                </a:solidFill>
-                <a:latin typeface="等线"/>
-              </a:rPr>
-              <a:t>(Request or Reply) =&gt;</a:t>
-            </a:r>
-            <a:endParaRPr b="0" lang="en-US" sz="2800" spc="-1" strike="noStrike">
-              <a:solidFill>
-                <a:srgbClr val="000000"/>
-              </a:solidFill>
-              <a:latin typeface="等线"/>
-            </a:endParaRPr>
-          </a:p>
-          <a:p>
-            <a:pPr>
-              <a:lnSpc>
-                <a:spcPct val="90000"/>
-              </a:lnSpc>
-              <a:spcBef>
-                <a:spcPts val="1001"/>
-              </a:spcBef>
-              <a:tabLst>
-                <a:tab algn="l" pos="0"/>
-              </a:tabLst>
-            </a:pPr>
-            <a:r>
-              <a:rPr b="0" lang="zh-CN" sz="2800" spc="-1" strike="noStrike">
-                <a:solidFill>
-                  <a:srgbClr val="000000"/>
-                </a:solidFill>
-                <a:latin typeface="等线"/>
-              </a:rPr>
-              <a:t>根据操作码决定操作（详情见后</a:t>
-            </a:r>
-            <a:r>
-              <a:rPr b="0" lang="en-US" sz="2800" spc="-1" strike="noStrike">
-                <a:solidFill>
-                  <a:srgbClr val="000000"/>
-                </a:solidFill>
-                <a:latin typeface="等线"/>
-              </a:rPr>
-              <a:t>) =&gt; </a:t>
-            </a:r>
-            <a:endParaRPr b="0" lang="en-US" sz="2800" spc="-1" strike="noStrike">
-              <a:solidFill>
-                <a:srgbClr val="000000"/>
-              </a:solidFill>
-              <a:latin typeface="等线"/>
-            </a:endParaRPr>
-          </a:p>
-          <a:p>
-            <a:pPr>
-              <a:lnSpc>
-                <a:spcPct val="90000"/>
-              </a:lnSpc>
-              <a:spcBef>
-                <a:spcPts val="1001"/>
-              </a:spcBef>
-              <a:tabLst>
-                <a:tab algn="l" pos="0"/>
-              </a:tabLst>
-            </a:pPr>
-            <a:r>
-              <a:rPr b="0" lang="zh-CN" sz="2800" spc="-1" strike="noStrike">
-                <a:solidFill>
-                  <a:srgbClr val="000000"/>
-                </a:solidFill>
-                <a:latin typeface="等线"/>
-              </a:rPr>
-              <a:t>实现回环功能</a:t>
-            </a:r>
-            <a:endParaRPr b="0" lang="en-US" sz="2800" spc="-1" strike="noStrike">
-              <a:solidFill>
-                <a:srgbClr val="000000"/>
-              </a:solidFill>
-              <a:latin typeface="等线"/>
-            </a:endParaRPr>
-          </a:p>
-        </p:txBody>
-      </p:sp>
+          <a:lstStyle/>
+          <a:p>
+            <a:endParaRPr lang="en-US" sz="2800" b="0" strike="noStrike" spc="-1">
+              <a:solidFill>
+                <a:srgbClr val="000000"/>
+              </a:solidFill>
+              <a:latin typeface="等线"/>
+            </a:endParaRPr>
+          </a:p>
+        </p:txBody>
+      </p:sp>
+      <p:pic>
+        <p:nvPicPr>
+          <p:cNvPr id="45" name="图片 3"/>
+          <p:cNvPicPr/>
+          <p:nvPr/>
+        </p:nvPicPr>
+        <p:blipFill>
+          <a:blip r:embed="rId2"/>
+          <a:stretch/>
+        </p:blipFill>
+        <p:spPr>
+          <a:xfrm>
+            <a:off x="537480" y="1204560"/>
+            <a:ext cx="11320200" cy="5432040"/>
+          </a:xfrm>
+          <a:prstGeom prst="rect">
+            <a:avLst/>
+          </a:prstGeom>
+          <a:ln>
+            <a:noFill/>
+          </a:ln>
+        </p:spPr>
+      </p:pic>
     </p:spTree>
   </p:cSld>
-  <mc:AlternateContent>
+  <p:clrMapOvr>
+    <a:masterClrMapping/>
+  </p:clrMapOvr>
+  <mc:AlternateContent xmlns:mc="http://schemas.openxmlformats.org/markup-compatibility/2006" xmlns:p14="http://schemas.microsoft.com/office/powerpoint/2010/main">
     <mc:Choice Requires="p14">
       <p:transition spd="slow" p14:dur="2000"/>
     </mc:Choice>
-    <mc:Fallback>
+    <mc:Fallback xmlns:p15="http://schemas.microsoft.com/office/powerpoint/2012/main" xmlns="">
       <p:transition spd="slow"/>
     </mc:Fallback>
   </mc:AlternateContent>
@@ -2978,7 +3298,7 @@
 </file>
 
 <file path=ppt/slides/slide4.xml><?xml version="1.0" encoding="utf-8"?>
-<p:sld xmlns:a="http://schemas.openxmlformats.org/drawingml/2006/main" xmlns:p="http://schemas.openxmlformats.org/presentationml/2006/main" xmlns:r="http://schemas.openxmlformats.org/officeDocument/2006/relationships" xmlns:p14="http://schemas.microsoft.com/office/powerpoint/2010/main" xmlns:p15="http://schemas.microsoft.com/office/powerpoint/2012/main" xmlns:mc="http://schemas.openxmlformats.org/markup-compatibility/2006">
+<p:sld xmlns:a="http://schemas.openxmlformats.org/drawingml/2006/main" xmlns:r="http://schemas.openxmlformats.org/officeDocument/2006/relationships" xmlns:p="http://schemas.openxmlformats.org/presentationml/2006/main">
   <p:cSld>
     <p:spTree>
       <p:nvGrpSpPr>
@@ -2996,7 +3316,7 @@
       </p:grpSpPr>
       <p:sp>
         <p:nvSpPr>
-          <p:cNvPr id="48" name="TextShape 1"/>
+          <p:cNvPr id="46" name="TextShape 1"/>
           <p:cNvSpPr txBox="1"/>
           <p:nvPr/>
         </p:nvSpPr>
@@ -3017,19 +3337,43 @@
           <a:bodyPr anchor="ctr">
             <a:noAutofit/>
           </a:bodyPr>
-          <a:p>
-            <a:endParaRPr b="0" lang="en-US" sz="1800" spc="-1" strike="noStrike">
-              <a:solidFill>
-                <a:srgbClr val="000000"/>
-              </a:solidFill>
-              <a:latin typeface="等线"/>
-            </a:endParaRPr>
-          </a:p>
-        </p:txBody>
-      </p:sp>
-      <p:sp>
-        <p:nvSpPr>
-          <p:cNvPr id="49" name="TextShape 2"/>
+          <a:lstStyle/>
+          <a:p>
+            <a:pPr>
+              <a:lnSpc>
+                <a:spcPct val="90000"/>
+              </a:lnSpc>
+            </a:pPr>
+            <a:r>
+              <a:rPr lang="en-US" sz="4400" b="0" strike="noStrike" spc="-1">
+                <a:solidFill>
+                  <a:srgbClr val="000000"/>
+                </a:solidFill>
+                <a:latin typeface="等线 Light"/>
+              </a:rPr>
+              <a:t>ARP </a:t>
+            </a:r>
+            <a:r>
+              <a:rPr lang="zh-CN" sz="4400" b="0" strike="noStrike" spc="-1">
+                <a:solidFill>
+                  <a:srgbClr val="000000"/>
+                </a:solidFill>
+                <a:latin typeface="等线 Light"/>
+              </a:rPr>
+              <a:t>协议流程</a:t>
+            </a:r>
+            <a:endParaRPr lang="en-US" sz="4400" b="0" strike="noStrike" spc="-1">
+              <a:solidFill>
+                <a:srgbClr val="000000"/>
+              </a:solidFill>
+              <a:latin typeface="等线"/>
+            </a:endParaRPr>
+          </a:p>
+        </p:txBody>
+      </p:sp>
+      <p:sp>
+        <p:nvSpPr>
+          <p:cNvPr id="47" name="TextShape 2"/>
           <p:cNvSpPr txBox="1"/>
           <p:nvPr/>
         </p:nvSpPr>
@@ -3050,46 +3394,291 @@
           <a:bodyPr>
             <a:noAutofit/>
           </a:bodyPr>
-          <a:p>
-            <a:endParaRPr b="0" lang="en-US" sz="2800" spc="-1" strike="noStrike">
-              <a:solidFill>
-                <a:srgbClr val="000000"/>
-              </a:solidFill>
-              <a:latin typeface="等线"/>
-            </a:endParaRPr>
-          </a:p>
-        </p:txBody>
-      </p:sp>
-      <p:pic>
-        <p:nvPicPr>
-          <p:cNvPr id="50" name="图片 3" descr="Screenshot from 2020-10-07 20-14-59"/>
-          <p:cNvPicPr/>
-          <p:nvPr/>
-        </p:nvPicPr>
-        <p:blipFill>
-          <a:blip r:embed="rId1"/>
-          <a:stretch/>
-        </p:blipFill>
-        <p:spPr>
-          <a:xfrm>
-            <a:off x="0" y="0"/>
-            <a:ext cx="12192120" cy="6858360"/>
-          </a:xfrm>
-          <a:prstGeom prst="rect">
-            <a:avLst/>
-          </a:prstGeom>
-          <a:ln>
-            <a:noFill/>
-          </a:ln>
-        </p:spPr>
-      </p:pic>
+          <a:lstStyle/>
+          <a:p>
+            <a:pPr>
+              <a:lnSpc>
+                <a:spcPct val="90000"/>
+              </a:lnSpc>
+              <a:spcBef>
+                <a:spcPts val="1001"/>
+              </a:spcBef>
+              <a:tabLst>
+                <a:tab pos="0" algn="l"/>
+              </a:tabLst>
+            </a:pPr>
+            <a:r>
+              <a:rPr lang="zh-CN" sz="2800" b="0" strike="noStrike" spc="-1">
+                <a:solidFill>
+                  <a:srgbClr val="000000"/>
+                </a:solidFill>
+                <a:latin typeface="等线"/>
+              </a:rPr>
+              <a:t>基于</a:t>
+            </a:r>
+            <a:r>
+              <a:rPr lang="en-US" sz="2800" b="0" strike="noStrike" spc="-1">
+                <a:solidFill>
+                  <a:srgbClr val="000000"/>
+                </a:solidFill>
+                <a:latin typeface="等线"/>
+              </a:rPr>
+              <a:t>useless</a:t>
+            </a:r>
+            <a:r>
+              <a:rPr lang="zh-CN" sz="2800" b="0" strike="noStrike" spc="-1">
+                <a:solidFill>
+                  <a:srgbClr val="000000"/>
+                </a:solidFill>
+                <a:latin typeface="等线"/>
+              </a:rPr>
+              <a:t>，完成了多周期</a:t>
+            </a:r>
+            <a:r>
+              <a:rPr lang="en-US" sz="2800" b="0" strike="noStrike" spc="-1">
+                <a:solidFill>
+                  <a:srgbClr val="000000"/>
+                </a:solidFill>
+                <a:latin typeface="等线"/>
+              </a:rPr>
+              <a:t>ARP</a:t>
+            </a:r>
+            <a:r>
+              <a:rPr lang="zh-CN" sz="2800" b="0" strike="noStrike" spc="-1">
+                <a:solidFill>
+                  <a:srgbClr val="000000"/>
+                </a:solidFill>
+                <a:latin typeface="等线"/>
+              </a:rPr>
+              <a:t>协议的转发功能。</a:t>
+            </a:r>
+            <a:endParaRPr lang="en-US" sz="2800" b="0" strike="noStrike" spc="-1">
+              <a:solidFill>
+                <a:srgbClr val="000000"/>
+              </a:solidFill>
+              <a:latin typeface="等线"/>
+            </a:endParaRPr>
+          </a:p>
+          <a:p>
+            <a:pPr>
+              <a:lnSpc>
+                <a:spcPct val="90000"/>
+              </a:lnSpc>
+              <a:spcBef>
+                <a:spcPts val="1001"/>
+              </a:spcBef>
+              <a:tabLst>
+                <a:tab pos="0" algn="l"/>
+              </a:tabLst>
+            </a:pPr>
+            <a:endParaRPr lang="en-US" sz="2800" b="0" strike="noStrike" spc="-1">
+              <a:solidFill>
+                <a:srgbClr val="000000"/>
+              </a:solidFill>
+              <a:latin typeface="等线"/>
+            </a:endParaRPr>
+          </a:p>
+          <a:p>
+            <a:pPr>
+              <a:lnSpc>
+                <a:spcPct val="90000"/>
+              </a:lnSpc>
+              <a:spcBef>
+                <a:spcPts val="1001"/>
+              </a:spcBef>
+              <a:tabLst>
+                <a:tab pos="0" algn="l"/>
+              </a:tabLst>
+            </a:pPr>
+            <a:endParaRPr lang="en-US" sz="2800" b="0" strike="noStrike" spc="-1">
+              <a:solidFill>
+                <a:srgbClr val="000000"/>
+              </a:solidFill>
+              <a:latin typeface="等线"/>
+            </a:endParaRPr>
+          </a:p>
+          <a:p>
+            <a:pPr>
+              <a:lnSpc>
+                <a:spcPct val="90000"/>
+              </a:lnSpc>
+              <a:spcBef>
+                <a:spcPts val="1001"/>
+              </a:spcBef>
+              <a:tabLst>
+                <a:tab pos="0" algn="l"/>
+              </a:tabLst>
+            </a:pPr>
+            <a:r>
+              <a:rPr lang="zh-CN" sz="2800" b="0" strike="noStrike" spc="-1">
+                <a:solidFill>
+                  <a:srgbClr val="000000"/>
+                </a:solidFill>
+                <a:latin typeface="等线"/>
+              </a:rPr>
+              <a:t>交换以太帧的</a:t>
+            </a:r>
+            <a:r>
+              <a:rPr lang="en-US" sz="2800" b="0" strike="noStrike" spc="-1">
+                <a:solidFill>
+                  <a:srgbClr val="000000"/>
+                </a:solidFill>
+                <a:latin typeface="等线"/>
+              </a:rPr>
+              <a:t>MAC</a:t>
+            </a:r>
+            <a:r>
+              <a:rPr lang="zh-CN" sz="2800" b="0" strike="noStrike" spc="-1">
+                <a:solidFill>
+                  <a:srgbClr val="000000"/>
+                </a:solidFill>
+                <a:latin typeface="等线"/>
+              </a:rPr>
+              <a:t>地址 </a:t>
+            </a:r>
+            <a:r>
+              <a:rPr lang="en-US" sz="2800" b="0" strike="noStrike" spc="-1">
+                <a:solidFill>
+                  <a:srgbClr val="000000"/>
+                </a:solidFill>
+                <a:latin typeface="等线"/>
+              </a:rPr>
+              <a:t>=&gt;</a:t>
+            </a:r>
+          </a:p>
+          <a:p>
+            <a:pPr>
+              <a:lnSpc>
+                <a:spcPct val="90000"/>
+              </a:lnSpc>
+              <a:spcBef>
+                <a:spcPts val="1001"/>
+              </a:spcBef>
+              <a:tabLst>
+                <a:tab pos="0" algn="l"/>
+              </a:tabLst>
+            </a:pPr>
+            <a:r>
+              <a:rPr lang="zh-CN" sz="2800" b="0" strike="noStrike" spc="-1">
+                <a:solidFill>
+                  <a:srgbClr val="000000"/>
+                </a:solidFill>
+                <a:latin typeface="等线"/>
+              </a:rPr>
+              <a:t>判断协议类型 </a:t>
+            </a:r>
+            <a:r>
+              <a:rPr lang="en-US" sz="2800" b="0" strike="noStrike" spc="-1">
+                <a:solidFill>
+                  <a:srgbClr val="000000"/>
+                </a:solidFill>
+                <a:latin typeface="等线"/>
+              </a:rPr>
+              <a:t>=&gt;</a:t>
+            </a:r>
+          </a:p>
+          <a:p>
+            <a:pPr>
+              <a:lnSpc>
+                <a:spcPct val="90000"/>
+              </a:lnSpc>
+              <a:spcBef>
+                <a:spcPts val="1001"/>
+              </a:spcBef>
+              <a:tabLst>
+                <a:tab pos="0" algn="l"/>
+              </a:tabLst>
+            </a:pPr>
+            <a:r>
+              <a:rPr lang="zh-CN" sz="2800" b="0" strike="noStrike" spc="-1">
+                <a:solidFill>
+                  <a:srgbClr val="000000"/>
+                </a:solidFill>
+                <a:latin typeface="等线"/>
+              </a:rPr>
+              <a:t>取出当前的操作码 </a:t>
+            </a:r>
+            <a:r>
+              <a:rPr lang="en-US" sz="2800" b="0" strike="noStrike" spc="-1">
+                <a:solidFill>
+                  <a:srgbClr val="000000"/>
+                </a:solidFill>
+                <a:latin typeface="等线"/>
+              </a:rPr>
+              <a:t>(Request or Reply) =&gt;</a:t>
+            </a:r>
+          </a:p>
+          <a:p>
+            <a:pPr>
+              <a:lnSpc>
+                <a:spcPct val="90000"/>
+              </a:lnSpc>
+              <a:spcBef>
+                <a:spcPts val="1001"/>
+              </a:spcBef>
+              <a:tabLst>
+                <a:tab pos="0" algn="l"/>
+              </a:tabLst>
+            </a:pPr>
+            <a:r>
+              <a:rPr lang="zh-CN" sz="2800" b="0" strike="noStrike" spc="-1">
+                <a:solidFill>
+                  <a:srgbClr val="000000"/>
+                </a:solidFill>
+                <a:latin typeface="等线"/>
+              </a:rPr>
+              <a:t>根据操作码决定操作（详情见后</a:t>
+            </a:r>
+            <a:r>
+              <a:rPr lang="en-US" sz="2800" b="0" strike="noStrike" spc="-1">
+                <a:solidFill>
+                  <a:srgbClr val="000000"/>
+                </a:solidFill>
+                <a:latin typeface="等线"/>
+              </a:rPr>
+              <a:t>) =&gt; </a:t>
+            </a:r>
+          </a:p>
+          <a:p>
+            <a:pPr>
+              <a:lnSpc>
+                <a:spcPct val="90000"/>
+              </a:lnSpc>
+              <a:spcBef>
+                <a:spcPts val="1001"/>
+              </a:spcBef>
+              <a:tabLst>
+                <a:tab pos="0" algn="l"/>
+              </a:tabLst>
+            </a:pPr>
+            <a:r>
+              <a:rPr lang="zh-CN" sz="2800" b="0" strike="noStrike" spc="-1">
+                <a:solidFill>
+                  <a:srgbClr val="000000"/>
+                </a:solidFill>
+                <a:latin typeface="等线"/>
+              </a:rPr>
+              <a:t>实现回环功能</a:t>
+            </a:r>
+            <a:endParaRPr lang="en-US" sz="2800" b="0" strike="noStrike" spc="-1">
+              <a:solidFill>
+                <a:srgbClr val="000000"/>
+              </a:solidFill>
+              <a:latin typeface="等线"/>
+            </a:endParaRPr>
+          </a:p>
+        </p:txBody>
+      </p:sp>
     </p:spTree>
   </p:cSld>
-  <mc:AlternateContent>
+  <p:clrMapOvr>
+    <a:masterClrMapping/>
+  </p:clrMapOvr>
+  <mc:AlternateContent xmlns:mc="http://schemas.openxmlformats.org/markup-compatibility/2006" xmlns:p14="http://schemas.microsoft.com/office/powerpoint/2010/main">
     <mc:Choice Requires="p14">
       <p:transition spd="slow" p14:dur="2000"/>
     </mc:Choice>
-    <mc:Fallback>
+    <mc:Fallback xmlns:p15="http://schemas.microsoft.com/office/powerpoint/2012/main" xmlns="">
       <p:transition spd="slow"/>
     </mc:Fallback>
   </mc:AlternateContent>
@@ -3097,7 +3686,7 @@
 </file>
 
 <file path=ppt/slides/slide5.xml><?xml version="1.0" encoding="utf-8"?>
-<p:sld xmlns:a="http://schemas.openxmlformats.org/drawingml/2006/main" xmlns:p="http://schemas.openxmlformats.org/presentationml/2006/main" xmlns:r="http://schemas.openxmlformats.org/officeDocument/2006/relationships" xmlns:p14="http://schemas.microsoft.com/office/powerpoint/2010/main" xmlns:p15="http://schemas.microsoft.com/office/powerpoint/2012/main" xmlns:mc="http://schemas.openxmlformats.org/markup-compatibility/2006">
+<p:sld xmlns:a="http://schemas.openxmlformats.org/drawingml/2006/main" xmlns:r="http://schemas.openxmlformats.org/officeDocument/2006/relationships" xmlns:p="http://schemas.openxmlformats.org/presentationml/2006/main">
   <p:cSld>
     <p:spTree>
       <p:nvGrpSpPr>
@@ -3115,7 +3704,7 @@
       </p:grpSpPr>
       <p:sp>
         <p:nvSpPr>
-          <p:cNvPr id="51" name="TextShape 1"/>
+          <p:cNvPr id="48" name="TextShape 1"/>
           <p:cNvSpPr txBox="1"/>
           <p:nvPr/>
         </p:nvSpPr>
@@ -3136,19 +3725,20 @@
           <a:bodyPr anchor="ctr">
             <a:noAutofit/>
           </a:bodyPr>
-          <a:p>
-            <a:endParaRPr b="0" lang="en-US" sz="1800" spc="-1" strike="noStrike">
-              <a:solidFill>
-                <a:srgbClr val="000000"/>
-              </a:solidFill>
-              <a:latin typeface="等线"/>
-            </a:endParaRPr>
-          </a:p>
-        </p:txBody>
-      </p:sp>
-      <p:sp>
-        <p:nvSpPr>
-          <p:cNvPr id="52" name="TextShape 2"/>
+          <a:lstStyle/>
+          <a:p>
+            <a:endParaRPr lang="en-US" sz="1800" b="0" strike="noStrike" spc="-1">
+              <a:solidFill>
+                <a:srgbClr val="000000"/>
+              </a:solidFill>
+              <a:latin typeface="等线"/>
+            </a:endParaRPr>
+          </a:p>
+        </p:txBody>
+      </p:sp>
+      <p:sp>
+        <p:nvSpPr>
+          <p:cNvPr id="49" name="TextShape 2"/>
           <p:cNvSpPr txBox="1"/>
           <p:nvPr/>
         </p:nvSpPr>
@@ -3169,8 +3759,9 @@
           <a:bodyPr>
             <a:noAutofit/>
           </a:bodyPr>
-          <a:p>
-            <a:endParaRPr b="0" lang="en-US" sz="2800" spc="-1" strike="noStrike">
+          <a:lstStyle/>
+          <a:p>
+            <a:endParaRPr lang="en-US" sz="2800" b="0" strike="noStrike" spc="-1">
               <a:solidFill>
                 <a:srgbClr val="000000"/>
               </a:solidFill>
@@ -3181,18 +3772,18 @@
       </p:sp>
       <p:pic>
         <p:nvPicPr>
-          <p:cNvPr id="53" name="图片 3" descr="Screenshot from 2020-10-07 20-15-31"/>
+          <p:cNvPr id="50" name="图片 3" descr="Screenshot from 2020-10-07 20-14-59"/>
           <p:cNvPicPr/>
           <p:nvPr/>
         </p:nvPicPr>
         <p:blipFill>
-          <a:blip r:embed="rId1"/>
+          <a:blip r:embed="rId2"/>
           <a:stretch/>
         </p:blipFill>
         <p:spPr>
           <a:xfrm>
             <a:off x="0" y="0"/>
-            <a:ext cx="12191760" cy="6857640"/>
+            <a:ext cx="12192120" cy="6858360"/>
           </a:xfrm>
           <a:prstGeom prst="rect">
             <a:avLst/>
@@ -3204,11 +3795,14 @@
       </p:pic>
     </p:spTree>
   </p:cSld>
-  <mc:AlternateContent>
+  <p:clrMapOvr>
+    <a:masterClrMapping/>
+  </p:clrMapOvr>
+  <mc:AlternateContent xmlns:mc="http://schemas.openxmlformats.org/markup-compatibility/2006" xmlns:p14="http://schemas.microsoft.com/office/powerpoint/2010/main">
     <mc:Choice Requires="p14">
       <p:transition spd="slow" p14:dur="2000"/>
     </mc:Choice>
-    <mc:Fallback>
+    <mc:Fallback xmlns:p15="http://schemas.microsoft.com/office/powerpoint/2012/main" xmlns="">
       <p:transition spd="slow"/>
     </mc:Fallback>
   </mc:AlternateContent>
@@ -3216,7 +3810,7 @@
 </file>
 
 <file path=ppt/slides/slide6.xml><?xml version="1.0" encoding="utf-8"?>
-<p:sld xmlns:a="http://schemas.openxmlformats.org/drawingml/2006/main" xmlns:p="http://schemas.openxmlformats.org/presentationml/2006/main" xmlns:r="http://schemas.openxmlformats.org/officeDocument/2006/relationships" xmlns:p14="http://schemas.microsoft.com/office/powerpoint/2010/main" xmlns:p15="http://schemas.microsoft.com/office/powerpoint/2012/main" xmlns:mc="http://schemas.openxmlformats.org/markup-compatibility/2006">
+<p:sld xmlns:a="http://schemas.openxmlformats.org/drawingml/2006/main" xmlns:r="http://schemas.openxmlformats.org/officeDocument/2006/relationships" xmlns:p="http://schemas.openxmlformats.org/presentationml/2006/main">
   <p:cSld>
     <p:spTree>
       <p:nvGrpSpPr>
@@ -3234,7 +3828,7 @@
       </p:grpSpPr>
       <p:sp>
         <p:nvSpPr>
-          <p:cNvPr id="54" name="TextShape 1"/>
+          <p:cNvPr id="51" name="TextShape 1"/>
           <p:cNvSpPr txBox="1"/>
           <p:nvPr/>
         </p:nvSpPr>
@@ -3255,19 +3849,20 @@
           <a:bodyPr anchor="ctr">
             <a:noAutofit/>
           </a:bodyPr>
-          <a:p>
-            <a:endParaRPr b="0" lang="en-US" sz="1800" spc="-1" strike="noStrike">
-              <a:solidFill>
-                <a:srgbClr val="000000"/>
-              </a:solidFill>
-              <a:latin typeface="等线"/>
-            </a:endParaRPr>
-          </a:p>
-        </p:txBody>
-      </p:sp>
-      <p:sp>
-        <p:nvSpPr>
-          <p:cNvPr id="55" name="TextShape 2"/>
+          <a:lstStyle/>
+          <a:p>
+            <a:endParaRPr lang="en-US" sz="1800" b="0" strike="noStrike" spc="-1">
+              <a:solidFill>
+                <a:srgbClr val="000000"/>
+              </a:solidFill>
+              <a:latin typeface="等线"/>
+            </a:endParaRPr>
+          </a:p>
+        </p:txBody>
+      </p:sp>
+      <p:sp>
+        <p:nvSpPr>
+          <p:cNvPr id="52" name="TextShape 2"/>
           <p:cNvSpPr txBox="1"/>
           <p:nvPr/>
         </p:nvSpPr>
@@ -3288,8 +3883,9 @@
           <a:bodyPr>
             <a:noAutofit/>
           </a:bodyPr>
-          <a:p>
-            <a:endParaRPr b="0" lang="en-US" sz="2800" spc="-1" strike="noStrike">
+          <a:lstStyle/>
+          <a:p>
+            <a:endParaRPr lang="en-US" sz="2800" b="0" strike="noStrike" spc="-1">
               <a:solidFill>
                 <a:srgbClr val="000000"/>
               </a:solidFill>
@@ -3300,12 +3896,12 @@
       </p:sp>
       <p:pic>
         <p:nvPicPr>
-          <p:cNvPr id="56" name="图片 3" descr="Screenshot from 2020-10-07 20-15-51"/>
+          <p:cNvPr id="53" name="图片 3" descr="Screenshot from 2020-10-07 20-15-31"/>
           <p:cNvPicPr/>
           <p:nvPr/>
         </p:nvPicPr>
         <p:blipFill>
-          <a:blip r:embed="rId1"/>
+          <a:blip r:embed="rId2"/>
           <a:stretch/>
         </p:blipFill>
         <p:spPr>
@@ -3323,11 +3919,14 @@
       </p:pic>
     </p:spTree>
   </p:cSld>
-  <mc:AlternateContent>
+  <p:clrMapOvr>
+    <a:masterClrMapping/>
+  </p:clrMapOvr>
+  <mc:AlternateContent xmlns:mc="http://schemas.openxmlformats.org/markup-compatibility/2006" xmlns:p14="http://schemas.microsoft.com/office/powerpoint/2010/main">
     <mc:Choice Requires="p14">
       <p:transition spd="slow" p14:dur="2000"/>
     </mc:Choice>
-    <mc:Fallback>
+    <mc:Fallback xmlns:p15="http://schemas.microsoft.com/office/powerpoint/2012/main" xmlns="">
       <p:transition spd="slow"/>
     </mc:Fallback>
   </mc:AlternateContent>
@@ -3335,7 +3934,7 @@
 </file>
 
 <file path=ppt/slides/slide7.xml><?xml version="1.0" encoding="utf-8"?>
-<p:sld xmlns:a="http://schemas.openxmlformats.org/drawingml/2006/main" xmlns:p="http://schemas.openxmlformats.org/presentationml/2006/main" xmlns:r="http://schemas.openxmlformats.org/officeDocument/2006/relationships" xmlns:p14="http://schemas.microsoft.com/office/powerpoint/2010/main" xmlns:p15="http://schemas.microsoft.com/office/powerpoint/2012/main" xmlns:mc="http://schemas.openxmlformats.org/markup-compatibility/2006">
+<p:sld xmlns:a="http://schemas.openxmlformats.org/drawingml/2006/main" xmlns:r="http://schemas.openxmlformats.org/officeDocument/2006/relationships" xmlns:p="http://schemas.openxmlformats.org/presentationml/2006/main">
   <p:cSld>
     <p:spTree>
       <p:nvGrpSpPr>
@@ -3353,7 +3952,7 @@
       </p:grpSpPr>
       <p:sp>
         <p:nvSpPr>
-          <p:cNvPr id="57" name="TextShape 1"/>
+          <p:cNvPr id="54" name="TextShape 1"/>
           <p:cNvSpPr txBox="1"/>
           <p:nvPr/>
         </p:nvSpPr>
@@ -3374,6 +3973,131 @@
           <a:bodyPr anchor="ctr">
             <a:noAutofit/>
           </a:bodyPr>
+          <a:lstStyle/>
+          <a:p>
+            <a:endParaRPr lang="en-US" sz="1800" b="0" strike="noStrike" spc="-1">
+              <a:solidFill>
+                <a:srgbClr val="000000"/>
+              </a:solidFill>
+              <a:latin typeface="等线"/>
+            </a:endParaRPr>
+          </a:p>
+        </p:txBody>
+      </p:sp>
+      <p:sp>
+        <p:nvSpPr>
+          <p:cNvPr id="55" name="TextShape 2"/>
+          <p:cNvSpPr txBox="1"/>
+          <p:nvPr/>
+        </p:nvSpPr>
+        <p:spPr>
+          <a:xfrm>
+            <a:off x="838080" y="1825560"/>
+            <a:ext cx="10515240" cy="4350960"/>
+          </a:xfrm>
+          <a:prstGeom prst="rect">
+            <a:avLst/>
+          </a:prstGeom>
+          <a:noFill/>
+          <a:ln>
+            <a:noFill/>
+          </a:ln>
+        </p:spPr>
+        <p:txBody>
+          <a:bodyPr>
+            <a:noAutofit/>
+          </a:bodyPr>
+          <a:lstStyle/>
+          <a:p>
+            <a:endParaRPr lang="en-US" sz="2800" b="0" strike="noStrike" spc="-1">
+              <a:solidFill>
+                <a:srgbClr val="000000"/>
+              </a:solidFill>
+              <a:latin typeface="等线"/>
+            </a:endParaRPr>
+          </a:p>
+        </p:txBody>
+      </p:sp>
+      <p:pic>
+        <p:nvPicPr>
+          <p:cNvPr id="56" name="图片 3" descr="Screenshot from 2020-10-07 20-15-51"/>
+          <p:cNvPicPr/>
+          <p:nvPr/>
+        </p:nvPicPr>
+        <p:blipFill>
+          <a:blip r:embed="rId2"/>
+          <a:stretch/>
+        </p:blipFill>
+        <p:spPr>
+          <a:xfrm>
+            <a:off x="0" y="0"/>
+            <a:ext cx="12191760" cy="6857640"/>
+          </a:xfrm>
+          <a:prstGeom prst="rect">
+            <a:avLst/>
+          </a:prstGeom>
+          <a:ln>
+            <a:noFill/>
+          </a:ln>
+        </p:spPr>
+      </p:pic>
+    </p:spTree>
+  </p:cSld>
+  <p:clrMapOvr>
+    <a:masterClrMapping/>
+  </p:clrMapOvr>
+  <mc:AlternateContent xmlns:mc="http://schemas.openxmlformats.org/markup-compatibility/2006" xmlns:p14="http://schemas.microsoft.com/office/powerpoint/2010/main">
+    <mc:Choice Requires="p14">
+      <p:transition spd="slow" p14:dur="2000"/>
+    </mc:Choice>
+    <mc:Fallback xmlns:p15="http://schemas.microsoft.com/office/powerpoint/2012/main" xmlns="">
+      <p:transition spd="slow"/>
+    </mc:Fallback>
+  </mc:AlternateContent>
+</p:sld>
+</file>
+
+<file path=ppt/slides/slide8.xml><?xml version="1.0" encoding="utf-8"?>
+<p:sld xmlns:a="http://schemas.openxmlformats.org/drawingml/2006/main" xmlns:r="http://schemas.openxmlformats.org/officeDocument/2006/relationships" xmlns:p="http://schemas.openxmlformats.org/presentationml/2006/main">
+  <p:cSld>
+    <p:spTree>
+      <p:nvGrpSpPr>
+        <p:cNvPr id="1" name=""/>
+        <p:cNvGrpSpPr/>
+        <p:nvPr/>
+      </p:nvGrpSpPr>
+      <p:grpSpPr>
+        <a:xfrm>
+          <a:off x="0" y="0"/>
+          <a:ext cx="0" cy="0"/>
+          <a:chOff x="0" y="0"/>
+          <a:chExt cx="0" cy="0"/>
+        </a:xfrm>
+      </p:grpSpPr>
+      <p:sp>
+        <p:nvSpPr>
+          <p:cNvPr id="57" name="TextShape 1"/>
+          <p:cNvSpPr txBox="1"/>
+          <p:nvPr/>
+        </p:nvSpPr>
+        <p:spPr>
+          <a:xfrm>
+            <a:off x="838080" y="365040"/>
+            <a:ext cx="10515240" cy="1325160"/>
+          </a:xfrm>
+          <a:prstGeom prst="rect">
+            <a:avLst/>
+          </a:prstGeom>
+          <a:noFill/>
+          <a:ln>
+            <a:noFill/>
+          </a:ln>
+        </p:spPr>
+        <p:txBody>
+          <a:bodyPr anchor="ctr">
+            <a:noAutofit/>
+          </a:bodyPr>
+          <a:lstStyle/>
           <a:p>
             <a:pPr>
               <a:lnSpc>
@@ -3381,33 +4105,15 @@
               </a:lnSpc>
             </a:pPr>
             <a:r>
-              <a:rPr b="0" lang="en-US" sz="4400" spc="-1" strike="noStrike">
+              <a:rPr lang="zh-CN" altLang="en-US" sz="4400" b="0" strike="noStrike" spc="-1" dirty="0" smtClean="0">
                 <a:solidFill>
                   <a:srgbClr val="000000"/>
                 </a:solidFill>
                 <a:latin typeface="等线 Light"/>
               </a:rPr>
-              <a:t>ARP</a:t>
-            </a:r>
-            <a:r>
-              <a:rPr b="0" lang="en-US" sz="4400" spc="-1" strike="noStrike">
-                <a:solidFill>
-                  <a:srgbClr val="000000"/>
-                </a:solidFill>
-                <a:latin typeface="等线 Light"/>
-              </a:rPr>
-              <a:t> </a:t>
-            </a:r>
-            <a:r>
-              <a:rPr b="0" lang="zh-CN" sz="4400" spc="-1" strike="noStrike">
-                <a:solidFill>
-                  <a:srgbClr val="000000"/>
-                </a:solidFill>
-                <a:latin typeface="等线 Light"/>
-              </a:rPr>
-              <a:t>协议流程</a:t>
-            </a:r>
-            <a:endParaRPr b="0" lang="en-US" sz="4400" spc="-1" strike="noStrike">
+              <a:t>分工</a:t>
+            </a:r>
+            <a:endParaRPr lang="en-US" sz="4400" b="0" strike="noStrike" spc="-1" dirty="0">
               <a:solidFill>
                 <a:srgbClr val="000000"/>
               </a:solidFill>
@@ -3424,8 +4130,8 @@
         </p:nvSpPr>
         <p:spPr>
           <a:xfrm>
-            <a:off x="838080" y="1825560"/>
-            <a:ext cx="10515240" cy="4350960"/>
+            <a:off x="838080" y="1562792"/>
+            <a:ext cx="10515240" cy="4613727"/>
           </a:xfrm>
           <a:prstGeom prst="rect">
             <a:avLst/>
@@ -3439,6 +4145,454 @@
           <a:bodyPr>
             <a:noAutofit/>
           </a:bodyPr>
+          <a:lstStyle/>
+          <a:p>
+            <a:pPr marL="457200" indent="-457200">
+              <a:lnSpc>
+                <a:spcPct val="90000"/>
+              </a:lnSpc>
+              <a:spcBef>
+                <a:spcPts val="1001"/>
+              </a:spcBef>
+              <a:buFont typeface="Arial" panose="020B0604020202020204" pitchFamily="34" charset="0"/>
+              <a:buChar char="•"/>
+              <a:tabLst>
+                <a:tab pos="0" algn="l"/>
+              </a:tabLst>
+            </a:pPr>
+            <a:r>
+              <a:rPr lang="zh-CN" altLang="en-US" sz="2400" b="0" strike="noStrike" spc="-1" dirty="0" smtClean="0">
+                <a:solidFill>
+                  <a:srgbClr val="000000"/>
+                </a:solidFill>
+                <a:latin typeface="等线"/>
+              </a:rPr>
+              <a:t>肖光烜</a:t>
+            </a:r>
+            <a:endParaRPr lang="en-US" altLang="zh-CN" sz="2400" b="0" strike="noStrike" spc="-1" dirty="0" smtClean="0">
+              <a:solidFill>
+                <a:srgbClr val="000000"/>
+              </a:solidFill>
+              <a:latin typeface="等线"/>
+            </a:endParaRPr>
+          </a:p>
+          <a:p>
+            <a:pPr marL="914400" lvl="1" indent="-457200">
+              <a:lnSpc>
+                <a:spcPct val="90000"/>
+              </a:lnSpc>
+              <a:spcBef>
+                <a:spcPts val="1001"/>
+              </a:spcBef>
+              <a:buFont typeface="Arial" panose="020B0604020202020204" pitchFamily="34" charset="0"/>
+              <a:buChar char="•"/>
+              <a:tabLst>
+                <a:tab pos="0" algn="l"/>
+              </a:tabLst>
+            </a:pPr>
+            <a:r>
+              <a:rPr lang="zh-CN" altLang="en-US" sz="2400" b="0" strike="noStrike" spc="-1" dirty="0" smtClean="0">
+                <a:solidFill>
+                  <a:srgbClr val="000000"/>
+                </a:solidFill>
+                <a:latin typeface="等线"/>
+              </a:rPr>
+              <a:t>学习</a:t>
+            </a:r>
+            <a:r>
+              <a:rPr lang="en-US" altLang="zh-CN" sz="2400" b="0" strike="noStrike" spc="-1" dirty="0" smtClean="0">
+                <a:solidFill>
+                  <a:srgbClr val="000000"/>
+                </a:solidFill>
+                <a:latin typeface="等线"/>
+              </a:rPr>
+              <a:t>ARP</a:t>
+            </a:r>
+            <a:r>
+              <a:rPr lang="zh-CN" altLang="en-US" sz="2400" b="0" strike="noStrike" spc="-1" dirty="0" smtClean="0">
+                <a:solidFill>
+                  <a:srgbClr val="000000"/>
+                </a:solidFill>
+                <a:latin typeface="等线"/>
+              </a:rPr>
+              <a:t>协议</a:t>
+            </a:r>
+            <a:endParaRPr lang="en-US" altLang="zh-CN" sz="2400" b="0" strike="noStrike" spc="-1" dirty="0" smtClean="0">
+              <a:solidFill>
+                <a:srgbClr val="000000"/>
+              </a:solidFill>
+              <a:latin typeface="等线"/>
+            </a:endParaRPr>
+          </a:p>
+          <a:p>
+            <a:pPr marL="914400" lvl="1" indent="-457200">
+              <a:lnSpc>
+                <a:spcPct val="90000"/>
+              </a:lnSpc>
+              <a:spcBef>
+                <a:spcPts val="1001"/>
+              </a:spcBef>
+              <a:buFont typeface="Arial" panose="020B0604020202020204" pitchFamily="34" charset="0"/>
+              <a:buChar char="•"/>
+              <a:tabLst>
+                <a:tab pos="0" algn="l"/>
+              </a:tabLst>
+            </a:pPr>
+            <a:r>
+              <a:rPr lang="en-US" altLang="zh-CN" sz="2400" spc="-1" dirty="0" smtClean="0">
+                <a:solidFill>
+                  <a:srgbClr val="000000"/>
+                </a:solidFill>
+                <a:latin typeface="等线"/>
+              </a:rPr>
+              <a:t>ARP</a:t>
+            </a:r>
+            <a:r>
+              <a:rPr lang="zh-CN" altLang="en-US" sz="2400" spc="-1" dirty="0" smtClean="0">
+                <a:solidFill>
+                  <a:srgbClr val="000000"/>
+                </a:solidFill>
+                <a:latin typeface="等线"/>
+              </a:rPr>
+              <a:t>缓存表、</a:t>
+            </a:r>
+            <a:r>
+              <a:rPr lang="en-US" altLang="zh-CN" sz="2400" spc="-1" dirty="0" smtClean="0">
+                <a:solidFill>
+                  <a:srgbClr val="000000"/>
+                </a:solidFill>
+                <a:latin typeface="等线"/>
+              </a:rPr>
+              <a:t>ARP</a:t>
+            </a:r>
+            <a:r>
+              <a:rPr lang="zh-CN" altLang="en-US" sz="2400" spc="-1" dirty="0" smtClean="0">
+                <a:solidFill>
+                  <a:srgbClr val="000000"/>
+                </a:solidFill>
+                <a:latin typeface="等线"/>
+              </a:rPr>
+              <a:t>协议转发代码</a:t>
+            </a:r>
+            <a:endParaRPr lang="en-US" altLang="zh-CN" sz="2400" spc="-1" dirty="0" smtClean="0">
+              <a:solidFill>
+                <a:srgbClr val="000000"/>
+              </a:solidFill>
+              <a:latin typeface="等线"/>
+            </a:endParaRPr>
+          </a:p>
+          <a:p>
+            <a:pPr marL="914400" lvl="1" indent="-457200">
+              <a:lnSpc>
+                <a:spcPct val="90000"/>
+              </a:lnSpc>
+              <a:spcBef>
+                <a:spcPts val="1001"/>
+              </a:spcBef>
+              <a:buFont typeface="Arial" panose="020B0604020202020204" pitchFamily="34" charset="0"/>
+              <a:buChar char="•"/>
+              <a:tabLst>
+                <a:tab pos="0" algn="l"/>
+              </a:tabLst>
+            </a:pPr>
+            <a:r>
+              <a:rPr lang="zh-CN" altLang="en-US" sz="2400" b="0" strike="noStrike" spc="-1" dirty="0" smtClean="0">
+                <a:solidFill>
+                  <a:srgbClr val="000000"/>
+                </a:solidFill>
+                <a:latin typeface="等线"/>
+              </a:rPr>
+              <a:t>相关代码仿真和调试</a:t>
+            </a:r>
+            <a:endParaRPr lang="en-US" altLang="zh-CN" sz="2400" b="0" strike="noStrike" spc="-1" dirty="0" smtClean="0">
+              <a:solidFill>
+                <a:srgbClr val="000000"/>
+              </a:solidFill>
+              <a:latin typeface="等线"/>
+            </a:endParaRPr>
+          </a:p>
+          <a:p>
+            <a:pPr marL="457200" indent="-457200">
+              <a:lnSpc>
+                <a:spcPct val="90000"/>
+              </a:lnSpc>
+              <a:spcBef>
+                <a:spcPts val="1001"/>
+              </a:spcBef>
+              <a:buFont typeface="Arial" panose="020B0604020202020204" pitchFamily="34" charset="0"/>
+              <a:buChar char="•"/>
+              <a:tabLst>
+                <a:tab pos="0" algn="l"/>
+              </a:tabLst>
+            </a:pPr>
+            <a:r>
+              <a:rPr lang="zh-CN" altLang="en-US" sz="2400" spc="-1" dirty="0" smtClean="0">
+                <a:solidFill>
+                  <a:srgbClr val="000000"/>
+                </a:solidFill>
+                <a:latin typeface="等线"/>
+              </a:rPr>
+              <a:t>吕天</a:t>
+            </a:r>
+            <a:endParaRPr lang="en-US" altLang="zh-CN" sz="2400" spc="-1" dirty="0" smtClean="0">
+              <a:solidFill>
+                <a:srgbClr val="000000"/>
+              </a:solidFill>
+              <a:latin typeface="等线"/>
+            </a:endParaRPr>
+          </a:p>
+          <a:p>
+            <a:pPr marL="914400" lvl="1" indent="-457200">
+              <a:lnSpc>
+                <a:spcPct val="90000"/>
+              </a:lnSpc>
+              <a:spcBef>
+                <a:spcPts val="1001"/>
+              </a:spcBef>
+              <a:buFont typeface="Arial" panose="020B0604020202020204" pitchFamily="34" charset="0"/>
+              <a:buChar char="•"/>
+              <a:tabLst>
+                <a:tab pos="0" algn="l"/>
+              </a:tabLst>
+            </a:pPr>
+            <a:r>
+              <a:rPr lang="zh-CN" altLang="en-US" sz="2400" spc="-1" dirty="0" smtClean="0">
+                <a:solidFill>
+                  <a:srgbClr val="000000"/>
+                </a:solidFill>
+                <a:latin typeface="等线"/>
+              </a:rPr>
+              <a:t>学习</a:t>
+            </a:r>
+            <a:r>
+              <a:rPr lang="en-US" altLang="zh-CN" sz="2400" spc="-1" dirty="0" smtClean="0">
+                <a:solidFill>
+                  <a:srgbClr val="000000"/>
+                </a:solidFill>
+                <a:latin typeface="等线"/>
+              </a:rPr>
+              <a:t>ARP</a:t>
+            </a:r>
+            <a:r>
+              <a:rPr lang="zh-CN" altLang="en-US" sz="2400" spc="-1" dirty="0" smtClean="0">
+                <a:solidFill>
+                  <a:srgbClr val="000000"/>
+                </a:solidFill>
+                <a:latin typeface="等线"/>
+              </a:rPr>
+              <a:t>协议</a:t>
+            </a:r>
+            <a:endParaRPr lang="en-US" altLang="zh-CN" sz="2400" spc="-1" smtClean="0">
+              <a:solidFill>
+                <a:srgbClr val="000000"/>
+              </a:solidFill>
+              <a:latin typeface="等线"/>
+            </a:endParaRPr>
+          </a:p>
+          <a:p>
+            <a:pPr marL="914400" lvl="1" indent="-457200">
+              <a:lnSpc>
+                <a:spcPct val="90000"/>
+              </a:lnSpc>
+              <a:spcBef>
+                <a:spcPts val="1001"/>
+              </a:spcBef>
+              <a:buFont typeface="Arial" panose="020B0604020202020204" pitchFamily="34" charset="0"/>
+              <a:buChar char="•"/>
+              <a:tabLst>
+                <a:tab pos="0" algn="l"/>
+              </a:tabLst>
+            </a:pPr>
+            <a:r>
+              <a:rPr lang="en-US" altLang="zh-CN" sz="2400" spc="-1" smtClean="0">
+                <a:solidFill>
+                  <a:srgbClr val="000000"/>
+                </a:solidFill>
+                <a:latin typeface="等线"/>
+              </a:rPr>
+              <a:t>ARP</a:t>
+            </a:r>
+            <a:r>
+              <a:rPr lang="zh-CN" altLang="en-US" sz="2400" spc="-1" dirty="0" smtClean="0">
+                <a:solidFill>
+                  <a:srgbClr val="000000"/>
+                </a:solidFill>
+                <a:latin typeface="等线"/>
+              </a:rPr>
+              <a:t>协议转发代码</a:t>
+            </a:r>
+            <a:endParaRPr lang="en-US" altLang="zh-CN" sz="2400" spc="-1" dirty="0" smtClean="0">
+              <a:solidFill>
+                <a:srgbClr val="000000"/>
+              </a:solidFill>
+              <a:latin typeface="等线"/>
+            </a:endParaRPr>
+          </a:p>
+          <a:p>
+            <a:pPr marL="914400" lvl="1" indent="-457200">
+              <a:lnSpc>
+                <a:spcPct val="90000"/>
+              </a:lnSpc>
+              <a:spcBef>
+                <a:spcPts val="1001"/>
+              </a:spcBef>
+              <a:buFont typeface="Arial" panose="020B0604020202020204" pitchFamily="34" charset="0"/>
+              <a:buChar char="•"/>
+              <a:tabLst>
+                <a:tab pos="0" algn="l"/>
+              </a:tabLst>
+            </a:pPr>
+            <a:r>
+              <a:rPr lang="zh-CN" altLang="en-US" sz="2400" spc="-1" dirty="0" smtClean="0">
+                <a:solidFill>
+                  <a:srgbClr val="000000"/>
+                </a:solidFill>
+                <a:latin typeface="等线"/>
+              </a:rPr>
+              <a:t>相关代码仿真与调试</a:t>
+            </a:r>
+            <a:endParaRPr lang="en-US" altLang="zh-CN" sz="2400" spc="-1" dirty="0" smtClean="0">
+              <a:solidFill>
+                <a:srgbClr val="000000"/>
+              </a:solidFill>
+              <a:latin typeface="等线"/>
+            </a:endParaRPr>
+          </a:p>
+          <a:p>
+            <a:pPr marL="457200" indent="-457200">
+              <a:lnSpc>
+                <a:spcPct val="90000"/>
+              </a:lnSpc>
+              <a:spcBef>
+                <a:spcPts val="1001"/>
+              </a:spcBef>
+              <a:buFont typeface="Arial" panose="020B0604020202020204" pitchFamily="34" charset="0"/>
+              <a:buChar char="•"/>
+              <a:tabLst>
+                <a:tab pos="0" algn="l"/>
+              </a:tabLst>
+            </a:pPr>
+            <a:r>
+              <a:rPr lang="zh-CN" altLang="en-US" sz="2400" b="0" strike="noStrike" spc="-1" dirty="0">
+                <a:solidFill>
+                  <a:srgbClr val="000000"/>
+                </a:solidFill>
+                <a:latin typeface="等线"/>
+              </a:rPr>
+              <a:t>张紫</a:t>
+            </a:r>
+            <a:r>
+              <a:rPr lang="zh-CN" altLang="en-US" sz="2400" b="0" strike="noStrike" spc="-1" dirty="0" smtClean="0">
+                <a:solidFill>
+                  <a:srgbClr val="000000"/>
+                </a:solidFill>
+                <a:latin typeface="等线"/>
+              </a:rPr>
+              <a:t>昭</a:t>
+            </a:r>
+            <a:endParaRPr lang="en-US" altLang="zh-CN" sz="2400" b="0" strike="noStrike" spc="-1" dirty="0" smtClean="0">
+              <a:solidFill>
+                <a:srgbClr val="000000"/>
+              </a:solidFill>
+              <a:latin typeface="等线"/>
+            </a:endParaRPr>
+          </a:p>
+          <a:p>
+            <a:pPr marL="914400" lvl="1" indent="-457200">
+              <a:lnSpc>
+                <a:spcPct val="90000"/>
+              </a:lnSpc>
+              <a:spcBef>
+                <a:spcPts val="1001"/>
+              </a:spcBef>
+              <a:buFont typeface="Arial" panose="020B0604020202020204" pitchFamily="34" charset="0"/>
+              <a:buChar char="•"/>
+              <a:tabLst>
+                <a:tab pos="0" algn="l"/>
+              </a:tabLst>
+            </a:pPr>
+            <a:r>
+              <a:rPr lang="zh-CN" altLang="en-US" sz="2400" spc="-1" dirty="0" smtClean="0">
+                <a:solidFill>
+                  <a:srgbClr val="000000"/>
+                </a:solidFill>
+                <a:latin typeface="等线"/>
+              </a:rPr>
+              <a:t>仿真，测试</a:t>
+            </a:r>
+            <a:endParaRPr lang="en-US" altLang="zh-CN" sz="2400" spc="-1" dirty="0" smtClean="0">
+              <a:solidFill>
+                <a:srgbClr val="000000"/>
+              </a:solidFill>
+              <a:latin typeface="等线"/>
+            </a:endParaRPr>
+          </a:p>
+          <a:p>
+            <a:pPr marL="914400" lvl="1" indent="-457200">
+              <a:lnSpc>
+                <a:spcPct val="90000"/>
+              </a:lnSpc>
+              <a:spcBef>
+                <a:spcPts val="1001"/>
+              </a:spcBef>
+              <a:buFont typeface="Arial" panose="020B0604020202020204" pitchFamily="34" charset="0"/>
+              <a:buChar char="•"/>
+              <a:tabLst>
+                <a:tab pos="0" algn="l"/>
+              </a:tabLst>
+            </a:pPr>
+            <a:r>
+              <a:rPr lang="zh-CN" altLang="en-US" sz="2400" spc="-1" dirty="0" smtClean="0">
+                <a:solidFill>
+                  <a:srgbClr val="000000"/>
+                </a:solidFill>
+                <a:latin typeface="等线"/>
+              </a:rPr>
+              <a:t>与</a:t>
+            </a:r>
+            <a:r>
+              <a:rPr lang="en-US" altLang="zh-CN" sz="2400" spc="-1" dirty="0" err="1" smtClean="0">
+                <a:solidFill>
+                  <a:srgbClr val="000000"/>
+                </a:solidFill>
+                <a:latin typeface="等线"/>
+              </a:rPr>
+              <a:t>vivado</a:t>
+            </a:r>
+            <a:r>
+              <a:rPr lang="zh-CN" altLang="en-US" sz="2400" spc="-1" dirty="0" smtClean="0">
+                <a:solidFill>
+                  <a:srgbClr val="000000"/>
+                </a:solidFill>
+                <a:latin typeface="等线"/>
+              </a:rPr>
+              <a:t>，</a:t>
+            </a:r>
+            <a:r>
+              <a:rPr lang="en-US" altLang="zh-CN" sz="2400" spc="-1" dirty="0" err="1" smtClean="0">
+                <a:solidFill>
+                  <a:srgbClr val="000000"/>
+                </a:solidFill>
+                <a:latin typeface="等线"/>
+              </a:rPr>
+              <a:t>wireshark</a:t>
+            </a:r>
+            <a:r>
+              <a:rPr lang="zh-CN" altLang="en-US" sz="2400" spc="-1" dirty="0" smtClean="0">
+                <a:solidFill>
+                  <a:srgbClr val="000000"/>
+                </a:solidFill>
+                <a:latin typeface="等线"/>
+              </a:rPr>
+              <a:t>交流</a:t>
+            </a:r>
+            <a:endParaRPr lang="en-US" altLang="zh-CN" sz="2400" b="0" strike="noStrike" spc="-1" dirty="0" smtClean="0">
+              <a:solidFill>
+                <a:srgbClr val="000000"/>
+              </a:solidFill>
+              <a:latin typeface="等线"/>
+            </a:endParaRPr>
+          </a:p>
           <a:p>
             <a:pPr>
               <a:lnSpc>
@@ -3448,287 +4602,10 @@
                 <a:spcPts val="1001"/>
               </a:spcBef>
               <a:tabLst>
-                <a:tab algn="l" pos="0"/>
+                <a:tab pos="0" algn="l"/>
               </a:tabLst>
             </a:pPr>
-            <a:r>
-              <a:rPr b="0" lang="zh-CN" sz="2800" spc="-1" strike="noStrike">
-                <a:solidFill>
-                  <a:srgbClr val="000000"/>
-                </a:solidFill>
-                <a:latin typeface="等线"/>
-              </a:rPr>
-              <a:t>基于</a:t>
-            </a:r>
-            <a:r>
-              <a:rPr b="0" lang="en-US" sz="2800" spc="-1" strike="noStrike">
-                <a:solidFill>
-                  <a:srgbClr val="000000"/>
-                </a:solidFill>
-                <a:latin typeface="等线"/>
-              </a:rPr>
-              <a:t>useless</a:t>
-            </a:r>
-            <a:r>
-              <a:rPr b="0" lang="zh-CN" sz="2800" spc="-1" strike="noStrike">
-                <a:solidFill>
-                  <a:srgbClr val="000000"/>
-                </a:solidFill>
-                <a:latin typeface="等线"/>
-              </a:rPr>
-              <a:t>，完成了多周期</a:t>
-            </a:r>
-            <a:r>
-              <a:rPr b="0" lang="en-US" sz="2800" spc="-1" strike="noStrike">
-                <a:solidFill>
-                  <a:srgbClr val="000000"/>
-                </a:solidFill>
-                <a:latin typeface="等线"/>
-              </a:rPr>
-              <a:t>ARP</a:t>
-            </a:r>
-            <a:r>
-              <a:rPr b="0" lang="zh-CN" sz="2800" spc="-1" strike="noStrike">
-                <a:solidFill>
-                  <a:srgbClr val="000000"/>
-                </a:solidFill>
-                <a:latin typeface="等线"/>
-              </a:rPr>
-              <a:t>协议的转发功能。</a:t>
-            </a:r>
-            <a:endParaRPr b="0" lang="en-US" sz="2800" spc="-1" strike="noStrike">
-              <a:solidFill>
-                <a:srgbClr val="000000"/>
-              </a:solidFill>
-              <a:latin typeface="等线"/>
-            </a:endParaRPr>
-          </a:p>
-          <a:p>
-            <a:pPr>
-              <a:lnSpc>
-                <a:spcPct val="90000"/>
-              </a:lnSpc>
-              <a:spcBef>
-                <a:spcPts val="1001"/>
-              </a:spcBef>
-              <a:tabLst>
-                <a:tab algn="l" pos="0"/>
-              </a:tabLst>
-            </a:pPr>
-            <a:endParaRPr b="0" lang="en-US" sz="2800" spc="-1" strike="noStrike">
-              <a:solidFill>
-                <a:srgbClr val="000000"/>
-              </a:solidFill>
-              <a:latin typeface="等线"/>
-            </a:endParaRPr>
-          </a:p>
-          <a:p>
-            <a:pPr>
-              <a:lnSpc>
-                <a:spcPct val="90000"/>
-              </a:lnSpc>
-              <a:spcBef>
-                <a:spcPts val="1001"/>
-              </a:spcBef>
-              <a:tabLst>
-                <a:tab algn="l" pos="0"/>
-              </a:tabLst>
-            </a:pPr>
-            <a:endParaRPr b="0" lang="en-US" sz="2800" spc="-1" strike="noStrike">
-              <a:solidFill>
-                <a:srgbClr val="000000"/>
-              </a:solidFill>
-              <a:latin typeface="等线"/>
-            </a:endParaRPr>
-          </a:p>
-          <a:p>
-            <a:pPr>
-              <a:lnSpc>
-                <a:spcPct val="90000"/>
-              </a:lnSpc>
-              <a:spcBef>
-                <a:spcPts val="1001"/>
-              </a:spcBef>
-              <a:tabLst>
-                <a:tab algn="l" pos="0"/>
-              </a:tabLst>
-            </a:pPr>
-            <a:r>
-              <a:rPr b="0" lang="zh-CN" sz="2800" spc="-1" strike="noStrike">
-                <a:solidFill>
-                  <a:srgbClr val="000000"/>
-                </a:solidFill>
-                <a:latin typeface="等线"/>
-              </a:rPr>
-              <a:t>交换以太帧的</a:t>
-            </a:r>
-            <a:r>
-              <a:rPr b="0" lang="en-US" sz="2800" spc="-1" strike="noStrike">
-                <a:solidFill>
-                  <a:srgbClr val="000000"/>
-                </a:solidFill>
-                <a:latin typeface="等线"/>
-              </a:rPr>
-              <a:t>MAC</a:t>
-            </a:r>
-            <a:r>
-              <a:rPr b="0" lang="zh-CN" sz="2800" spc="-1" strike="noStrike">
-                <a:solidFill>
-                  <a:srgbClr val="000000"/>
-                </a:solidFill>
-                <a:latin typeface="等线"/>
-              </a:rPr>
-              <a:t>地址 </a:t>
-            </a:r>
-            <a:r>
-              <a:rPr b="0" lang="en-US" sz="2800" spc="-1" strike="noStrike">
-                <a:solidFill>
-                  <a:srgbClr val="000000"/>
-                </a:solidFill>
-                <a:latin typeface="等线"/>
-              </a:rPr>
-              <a:t>=&gt;</a:t>
-            </a:r>
-            <a:endParaRPr b="0" lang="en-US" sz="2800" spc="-1" strike="noStrike">
-              <a:solidFill>
-                <a:srgbClr val="000000"/>
-              </a:solidFill>
-              <a:latin typeface="等线"/>
-            </a:endParaRPr>
-          </a:p>
-          <a:p>
-            <a:pPr>
-              <a:lnSpc>
-                <a:spcPct val="90000"/>
-              </a:lnSpc>
-              <a:spcBef>
-                <a:spcPts val="1001"/>
-              </a:spcBef>
-              <a:tabLst>
-                <a:tab algn="l" pos="0"/>
-              </a:tabLst>
-            </a:pPr>
-            <a:r>
-              <a:rPr b="0" lang="zh-CN" sz="2800" spc="-1" strike="noStrike">
-                <a:solidFill>
-                  <a:srgbClr val="000000"/>
-                </a:solidFill>
-                <a:latin typeface="等线"/>
-              </a:rPr>
-              <a:t>判断协议类型 </a:t>
-            </a:r>
-            <a:r>
-              <a:rPr b="0" lang="en-US" sz="2800" spc="-1" strike="noStrike">
-                <a:solidFill>
-                  <a:srgbClr val="000000"/>
-                </a:solidFill>
-                <a:latin typeface="等线"/>
-              </a:rPr>
-              <a:t>=&gt;</a:t>
-            </a:r>
-            <a:endParaRPr b="0" lang="en-US" sz="2800" spc="-1" strike="noStrike">
-              <a:solidFill>
-                <a:srgbClr val="000000"/>
-              </a:solidFill>
-              <a:latin typeface="等线"/>
-            </a:endParaRPr>
-          </a:p>
-          <a:p>
-            <a:pPr>
-              <a:lnSpc>
-                <a:spcPct val="90000"/>
-              </a:lnSpc>
-              <a:spcBef>
-                <a:spcPts val="1001"/>
-              </a:spcBef>
-              <a:tabLst>
-                <a:tab algn="l" pos="0"/>
-              </a:tabLst>
-            </a:pPr>
-            <a:r>
-              <a:rPr b="0" lang="zh-CN" sz="2800" spc="-1" strike="noStrike">
-                <a:solidFill>
-                  <a:srgbClr val="000000"/>
-                </a:solidFill>
-                <a:latin typeface="等线"/>
-              </a:rPr>
-              <a:t>取出当前的操作码 </a:t>
-            </a:r>
-            <a:r>
-              <a:rPr b="0" lang="en-US" sz="2800" spc="-1" strike="noStrike">
-                <a:solidFill>
-                  <a:srgbClr val="000000"/>
-                </a:solidFill>
-                <a:latin typeface="等线"/>
-              </a:rPr>
-              <a:t>(Request or Reply) =&gt;</a:t>
-            </a:r>
-            <a:endParaRPr b="0" lang="en-US" sz="2800" spc="-1" strike="noStrike">
-              <a:solidFill>
-                <a:srgbClr val="000000"/>
-              </a:solidFill>
-              <a:latin typeface="等线"/>
-            </a:endParaRPr>
-          </a:p>
-          <a:p>
-            <a:pPr>
-              <a:lnSpc>
-                <a:spcPct val="90000"/>
-              </a:lnSpc>
-              <a:spcBef>
-                <a:spcPts val="1001"/>
-              </a:spcBef>
-              <a:tabLst>
-                <a:tab algn="l" pos="0"/>
-              </a:tabLst>
-            </a:pPr>
-            <a:r>
-              <a:rPr b="0" lang="zh-CN" sz="2800" spc="-1" strike="noStrike">
-                <a:solidFill>
-                  <a:srgbClr val="000000"/>
-                </a:solidFill>
-                <a:latin typeface="等线"/>
-              </a:rPr>
-              <a:t>根据操作码决定操作（详情见后</a:t>
-            </a:r>
-            <a:r>
-              <a:rPr b="0" lang="en-US" sz="2800" spc="-1" strike="noStrike">
-                <a:solidFill>
-                  <a:srgbClr val="000000"/>
-                </a:solidFill>
-                <a:latin typeface="等线"/>
-              </a:rPr>
-              <a:t>) =&gt; </a:t>
-            </a:r>
-            <a:endParaRPr b="0" lang="en-US" sz="2800" spc="-1" strike="noStrike">
-              <a:solidFill>
-                <a:srgbClr val="000000"/>
-              </a:solidFill>
-              <a:latin typeface="等线"/>
-            </a:endParaRPr>
-          </a:p>
-          <a:p>
-            <a:pPr>
-              <a:lnSpc>
-                <a:spcPct val="90000"/>
-              </a:lnSpc>
-              <a:spcBef>
-                <a:spcPts val="1001"/>
-              </a:spcBef>
-              <a:tabLst>
-                <a:tab algn="l" pos="0"/>
-              </a:tabLst>
-            </a:pPr>
-            <a:r>
-              <a:rPr b="0" lang="zh-CN" sz="2800" spc="-1" strike="noStrike">
-                <a:solidFill>
-                  <a:srgbClr val="000000"/>
-                </a:solidFill>
-                <a:latin typeface="等线"/>
-              </a:rPr>
-              <a:t>实现回环功能</a:t>
-            </a:r>
-            <a:endParaRPr b="0" lang="en-US" sz="2800" spc="-1" strike="noStrike">
+            <a:endParaRPr lang="en-US" sz="2400" b="0" strike="noStrike" spc="-1" dirty="0">
               <a:solidFill>
                 <a:srgbClr val="000000"/>
               </a:solidFill>
@@ -3739,11 +4616,14 @@
       </p:sp>
     </p:spTree>
   </p:cSld>
-  <mc:AlternateContent>
+  <p:clrMapOvr>
+    <a:masterClrMapping/>
+  </p:clrMapOvr>
+  <mc:AlternateContent xmlns:mc="http://schemas.openxmlformats.org/markup-compatibility/2006" xmlns:p14="http://schemas.microsoft.com/office/powerpoint/2010/main">
     <mc:Choice Requires="p14">
       <p:transition spd="slow" p14:dur="2000"/>
     </mc:Choice>
-    <mc:Fallback>
+    <mc:Fallback xmlns:p15="http://schemas.microsoft.com/office/powerpoint/2012/main" xmlns="">
       <p:transition spd="slow"/>
     </mc:Fallback>
   </mc:AlternateContent>
@@ -3761,34 +4641,34 @@
         <a:sysClr val="window" lastClr="FFFFFF"/>
       </a:lt1>
       <a:dk2>
-        <a:srgbClr val="44546a"/>
+        <a:srgbClr val="44546A"/>
       </a:dk2>
       <a:lt2>
-        <a:srgbClr val="e7e6e6"/>
+        <a:srgbClr val="E7E6E6"/>
       </a:lt2>
       <a:accent1>
-        <a:srgbClr val="5b9bd5"/>
+        <a:srgbClr val="5B9BD5"/>
       </a:accent1>
       <a:accent2>
-        <a:srgbClr val="ed7d31"/>
+        <a:srgbClr val="ED7D31"/>
       </a:accent2>
       <a:accent3>
-        <a:srgbClr val="a5a5a5"/>
+        <a:srgbClr val="A5A5A5"/>
       </a:accent3>
       <a:accent4>
-        <a:srgbClr val="ffc000"/>
+        <a:srgbClr val="FFC000"/>
       </a:accent4>
       <a:accent5>
-        <a:srgbClr val="4472c4"/>
+        <a:srgbClr val="4472C4"/>
       </a:accent5>
       <a:accent6>
-        <a:srgbClr val="70ad47"/>
+        <a:srgbClr val="70AD47"/>
       </a:accent6>
       <a:hlink>
-        <a:srgbClr val="0563c1"/>
+        <a:srgbClr val="0563C1"/>
       </a:hlink>
       <a:folHlink>
-        <a:srgbClr val="954f72"/>
+        <a:srgbClr val="954F72"/>
       </a:folHlink>
     </a:clrScheme>
     <a:fontScheme name="Office">
@@ -3973,5 +4853,7 @@
       </a:bgFillStyleLst>
     </a:fmtScheme>
   </a:themeElements>
+  <a:objectDefaults/>
+  <a:extraClrSchemeLst/>
 </a:theme>
 </file>